--- a/Presentacion/Final/presentacion_informe.pptx
+++ b/Presentacion/Final/presentacion_informe.pptx
@@ -1,12 +1,16 @@
 
 <file path=ppt/presentation.xml><?xml version="1.0" encoding="utf-8"?>
-<p:presentation xmlns:a="http://schemas.openxmlformats.org/drawingml/2006/main" xmlns:p="http://schemas.openxmlformats.org/presentationml/2006/main" xmlns:r="http://schemas.openxmlformats.org/officeDocument/2006/relationships" saveSubsetFonts="1">
+<p:presentation xmlns:a="http://schemas.openxmlformats.org/drawingml/2006/main" xmlns:p="http://schemas.openxmlformats.org/presentationml/2006/main" xmlns:r="http://schemas.openxmlformats.org/officeDocument/2006/relationships" autoCompressPictures="0" saveSubsetFonts="1" showSpecialPlsOnTitleSld="0">
   <p:sldMasterIdLst>
     <p:sldMasterId id="2147483648" r:id="rId1"/>
   </p:sldMasterIdLst>
   <p:sldIdLst>
     <p:sldId id="256" r:id="rId2"/>
     <p:sldId id="257" r:id="rId3"/>
+    <p:sldId id="258" r:id="rId4"/>
+    <p:sldId id="259" r:id="rId5"/>
+    <p:sldId id="260" r:id="rId6"/>
+    <p:sldId id="261" r:id="rId7"/>
   </p:sldIdLst>
   <p:sldSz cx="9144000" cy="5143500" type="screen16x9"/>
   <p:notesSz cx="6858000" cy="9144000"/>
@@ -14,7 +18,7 @@
     <a:defPPr>
       <a:defRPr lang="en-US"/>
     </a:defPPr>
-    <a:lvl1pPr algn="l" defTabSz="914400" eaLnBrk="1" hangingPunct="1" latinLnBrk="0" marL="0" rtl="0">
+    <a:lvl1pPr algn="l" defTabSz="457200" eaLnBrk="1" hangingPunct="1" latinLnBrk="0" marL="0" rtl="0">
       <a:defRPr kern="1200" sz="1800">
         <a:solidFill>
           <a:schemeClr val="tx1"/>
@@ -24,7 +28,7 @@
         <a:cs typeface="+mn-cs"/>
       </a:defRPr>
     </a:lvl1pPr>
-    <a:lvl2pPr algn="l" defTabSz="914400" eaLnBrk="1" hangingPunct="1" latinLnBrk="0" marL="457200" rtl="0">
+    <a:lvl2pPr algn="l" defTabSz="457200" eaLnBrk="1" hangingPunct="1" latinLnBrk="0" marL="457200" rtl="0">
       <a:defRPr kern="1200" sz="1800">
         <a:solidFill>
           <a:schemeClr val="tx1"/>
@@ -34,7 +38,7 @@
         <a:cs typeface="+mn-cs"/>
       </a:defRPr>
     </a:lvl2pPr>
-    <a:lvl3pPr algn="l" defTabSz="914400" eaLnBrk="1" hangingPunct="1" latinLnBrk="0" marL="914400" rtl="0">
+    <a:lvl3pPr algn="l" defTabSz="457200" eaLnBrk="1" hangingPunct="1" latinLnBrk="0" marL="914400" rtl="0">
       <a:defRPr kern="1200" sz="1800">
         <a:solidFill>
           <a:schemeClr val="tx1"/>
@@ -44,7 +48,7 @@
         <a:cs typeface="+mn-cs"/>
       </a:defRPr>
     </a:lvl3pPr>
-    <a:lvl4pPr algn="l" defTabSz="914400" eaLnBrk="1" hangingPunct="1" latinLnBrk="0" marL="1371600" rtl="0">
+    <a:lvl4pPr algn="l" defTabSz="457200" eaLnBrk="1" hangingPunct="1" latinLnBrk="0" marL="1371600" rtl="0">
       <a:defRPr kern="1200" sz="1800">
         <a:solidFill>
           <a:schemeClr val="tx1"/>
@@ -54,7 +58,7 @@
         <a:cs typeface="+mn-cs"/>
       </a:defRPr>
     </a:lvl4pPr>
-    <a:lvl5pPr algn="l" defTabSz="914400" eaLnBrk="1" hangingPunct="1" latinLnBrk="0" marL="1828800" rtl="0">
+    <a:lvl5pPr algn="l" defTabSz="457200" eaLnBrk="1" hangingPunct="1" latinLnBrk="0" marL="1828800" rtl="0">
       <a:defRPr kern="1200" sz="1800">
         <a:solidFill>
           <a:schemeClr val="tx1"/>
@@ -64,7 +68,7 @@
         <a:cs typeface="+mn-cs"/>
       </a:defRPr>
     </a:lvl5pPr>
-    <a:lvl6pPr algn="l" defTabSz="914400" eaLnBrk="1" hangingPunct="1" latinLnBrk="0" marL="2286000" rtl="0">
+    <a:lvl6pPr algn="l" defTabSz="457200" eaLnBrk="1" hangingPunct="1" latinLnBrk="0" marL="2286000" rtl="0">
       <a:defRPr kern="1200" sz="1800">
         <a:solidFill>
           <a:schemeClr val="tx1"/>
@@ -74,7 +78,7 @@
         <a:cs typeface="+mn-cs"/>
       </a:defRPr>
     </a:lvl6pPr>
-    <a:lvl7pPr algn="l" defTabSz="914400" eaLnBrk="1" hangingPunct="1" latinLnBrk="0" marL="2743200" rtl="0">
+    <a:lvl7pPr algn="l" defTabSz="457200" eaLnBrk="1" hangingPunct="1" latinLnBrk="0" marL="2743200" rtl="0">
       <a:defRPr kern="1200" sz="1800">
         <a:solidFill>
           <a:schemeClr val="tx1"/>
@@ -84,7 +88,7 @@
         <a:cs typeface="+mn-cs"/>
       </a:defRPr>
     </a:lvl7pPr>
-    <a:lvl8pPr algn="l" defTabSz="914400" eaLnBrk="1" hangingPunct="1" latinLnBrk="0" marL="3200400" rtl="0">
+    <a:lvl8pPr algn="l" defTabSz="457200" eaLnBrk="1" hangingPunct="1" latinLnBrk="0" marL="3200400" rtl="0">
       <a:defRPr kern="1200" sz="1800">
         <a:solidFill>
           <a:schemeClr val="tx1"/>
@@ -94,7 +98,7 @@
         <a:cs typeface="+mn-cs"/>
       </a:defRPr>
     </a:lvl8pPr>
-    <a:lvl9pPr algn="l" defTabSz="914400" eaLnBrk="1" hangingPunct="1" latinLnBrk="0" marL="3657600" rtl="0">
+    <a:lvl9pPr algn="l" defTabSz="457200" eaLnBrk="1" hangingPunct="1" latinLnBrk="0" marL="3657600" rtl="0">
       <a:defRPr kern="1200" sz="1800">
         <a:solidFill>
           <a:schemeClr val="tx1"/>
@@ -108,12 +112,12 @@
   <p:extLst>
     <p:ext uri="{EFAFB233-063F-42B5-8137-9DF3F51BA10A}">
       <p15:sldGuideLst xmlns:p15="http://schemas.microsoft.com/office/powerpoint/2012/main">
-        <p15:guide id="1" orient="horz" pos="1620">
+        <p15:guide id="1" orient="horz" pos="1620" userDrawn="1">
           <p15:clr>
             <a:srgbClr val="A4A3A4"/>
           </p15:clr>
         </p15:guide>
-        <p15:guide id="2" pos="2880">
+        <p15:guide id="2" pos="2880" userDrawn="1">
           <p15:clr>
             <a:srgbClr val="A4A3A4"/>
           </p15:clr>
@@ -125,7 +129,7 @@
 </file>
 
 <file path=ppt/slideLayouts/slideLayout1.xml><?xml version="1.0" encoding="utf-8"?>
-<p:sldLayout xmlns:a="http://schemas.openxmlformats.org/drawingml/2006/main" xmlns:r="http://schemas.openxmlformats.org/officeDocument/2006/relationships" xmlns:p="http://schemas.openxmlformats.org/presentationml/2006/main" type="title" preserve="1">
+<p:sldLayout xmlns:a="http://schemas.openxmlformats.org/drawingml/2006/main" xmlns:r="http://schemas.openxmlformats.org/officeDocument/2006/relationships" xmlns:p="http://schemas.openxmlformats.org/presentationml/2006/main" preserve="1" userDrawn="1">
   <p:cSld name="Title Slide">
     <p:bg>
       <p:bgPr>
@@ -162,81 +166,76 @@
             <a:spLocks noGrp="1"/>
           </p:cNvSpPr>
           <p:nvPr>
-            <p:ph type="ctrTitle" hasCustomPrompt="1"/>
+            <p:ph type="ctrTitle"/>
           </p:nvPr>
         </p:nvSpPr>
         <p:spPr>
           <a:xfrm>
-            <a:off x="601670" y="1502815"/>
-            <a:ext cx="7635250" cy="1068935"/>
+            <a:off x="914400" y="329840"/>
+            <a:ext cx="7772400" cy="1102519"/>
           </a:xfrm>
-          <a:noFill/>
-          <a:effectLst>
-            <a:outerShdw blurRad="50800" dist="38100" dir="2700000" algn="tl" rotWithShape="0">
-              <a:prstClr val="black">
-                <a:alpha val="40000"/>
-              </a:prstClr>
-            </a:outerShdw>
-          </a:effectLst>
+          <a:solidFill>
+            <a:schemeClr val="tx1">
+              <a:alpha val="46000"/>
+            </a:schemeClr>
+          </a:solidFill>
+        </p:spPr>
+        <p:txBody>
+          <a:bodyPr>
+            <a:noAutofit/>
+          </a:bodyPr>
+          <a:lstStyle>
+            <a:lvl1pPr algn="ctr">
+              <a:defRPr sz="4400" b="1">
+                <a:solidFill>
+                  <a:srgbClr val="00FF00"/>
+                </a:solidFill>
+              </a:defRPr>
+            </a:lvl1pPr>
+          </a:lstStyle>
+          <a:p>
+            <a:r>
+              <a:rPr lang="en-US" dirty="0"/>
+              <a:t>Click to edit Master title style</a:t>
+            </a:r>
+          </a:p>
+        </p:txBody>
+      </p:sp>
+      <p:sp>
+        <p:nvSpPr>
+          <p:cNvPr id="3" name="Subtitle 2"/>
+          <p:cNvSpPr>
+            <a:spLocks noGrp="1"/>
+          </p:cNvSpPr>
+          <p:nvPr>
+            <p:ph type="subTitle" idx="1" hasCustomPrompt="1"/>
+          </p:nvPr>
+        </p:nvSpPr>
+        <p:spPr>
+          <a:xfrm>
+            <a:off x="3820633" y="2598226"/>
+            <a:ext cx="4866167" cy="1314450"/>
+          </a:xfrm>
+          <a:solidFill>
+            <a:schemeClr val="bg1">
+              <a:alpha val="30000"/>
+            </a:schemeClr>
+          </a:solidFill>
         </p:spPr>
         <p:txBody>
           <a:bodyPr>
             <a:normAutofit/>
           </a:bodyPr>
           <a:lstStyle>
-            <a:lvl1pPr algn="l">
-              <a:defRPr sz="3600">
+            <a:lvl1pPr marL="0" indent="0" algn="r">
+              <a:buNone/>
+              <a:defRPr sz="3600" b="1">
                 <a:solidFill>
-                  <a:schemeClr val="bg1"/>
+                  <a:schemeClr val="tx1"/>
                 </a:solidFill>
               </a:defRPr>
             </a:lvl1pPr>
-          </a:lstStyle>
-          <a:p>
-            <a:r>
-              <a:rPr lang="en-US" dirty="0"/>
-              <a:t>Click to edit </a:t>
-            </a:r>
-            <a:br>
-              <a:rPr lang="en-US" dirty="0"/>
-            </a:br>
-            <a:r>
-              <a:rPr lang="en-US" dirty="0"/>
-              <a:t>Master title style</a:t>
-            </a:r>
-          </a:p>
-        </p:txBody>
-      </p:sp>
-      <p:sp>
-        <p:nvSpPr>
-          <p:cNvPr id="3" name="Subtitle 2"/>
-          <p:cNvSpPr>
-            <a:spLocks noGrp="1"/>
-          </p:cNvSpPr>
-          <p:nvPr>
-            <p:ph type="subTitle" idx="1"/>
-          </p:nvPr>
-        </p:nvSpPr>
-        <p:spPr>
-          <a:xfrm>
-            <a:off x="601670" y="2877160"/>
-            <a:ext cx="7635250" cy="1221640"/>
-          </a:xfrm>
-        </p:spPr>
-        <p:txBody>
-          <a:bodyPr>
-            <a:normAutofit/>
-          </a:bodyPr>
-          <a:lstStyle>
-            <a:lvl1pPr marL="0" indent="0" algn="l">
-              <a:buNone/>
-              <a:defRPr sz="2800" b="0" i="0">
-                <a:solidFill>
-                  <a:srgbClr val="FF5E1D"/>
-                </a:solidFill>
-              </a:defRPr>
-            </a:lvl1pPr>
-            <a:lvl2pPr marL="457200" indent="0" algn="ctr">
+            <a:lvl2pPr marL="342900" indent="0" algn="ctr">
               <a:buNone/>
               <a:defRPr>
                 <a:solidFill>
@@ -246,7 +245,7 @@
                 </a:solidFill>
               </a:defRPr>
             </a:lvl2pPr>
-            <a:lvl3pPr marL="914400" indent="0" algn="ctr">
+            <a:lvl3pPr marL="685800" indent="0" algn="ctr">
               <a:buNone/>
               <a:defRPr>
                 <a:solidFill>
@@ -256,7 +255,7 @@
                 </a:solidFill>
               </a:defRPr>
             </a:lvl3pPr>
-            <a:lvl4pPr marL="1371600" indent="0" algn="ctr">
+            <a:lvl4pPr marL="1028700" indent="0" algn="ctr">
               <a:buNone/>
               <a:defRPr>
                 <a:solidFill>
@@ -266,7 +265,7 @@
                 </a:solidFill>
               </a:defRPr>
             </a:lvl4pPr>
-            <a:lvl5pPr marL="1828800" indent="0" algn="ctr">
+            <a:lvl5pPr marL="1371600" indent="0" algn="ctr">
               <a:buNone/>
               <a:defRPr>
                 <a:solidFill>
@@ -276,7 +275,7 @@
                 </a:solidFill>
               </a:defRPr>
             </a:lvl5pPr>
-            <a:lvl6pPr marL="2286000" indent="0" algn="ctr">
+            <a:lvl6pPr marL="1714500" indent="0" algn="ctr">
               <a:buNone/>
               <a:defRPr>
                 <a:solidFill>
@@ -286,7 +285,7 @@
                 </a:solidFill>
               </a:defRPr>
             </a:lvl6pPr>
-            <a:lvl7pPr marL="2743200" indent="0" algn="ctr">
+            <a:lvl7pPr marL="2057400" indent="0" algn="ctr">
               <a:buNone/>
               <a:defRPr>
                 <a:solidFill>
@@ -296,7 +295,7 @@
                 </a:solidFill>
               </a:defRPr>
             </a:lvl7pPr>
-            <a:lvl8pPr marL="3200400" indent="0" algn="ctr">
+            <a:lvl8pPr marL="2400300" indent="0" algn="ctr">
               <a:buNone/>
               <a:defRPr>
                 <a:solidFill>
@@ -306,7 +305,7 @@
                 </a:solidFill>
               </a:defRPr>
             </a:lvl8pPr>
-            <a:lvl9pPr marL="3657600" indent="0" algn="ctr">
+            <a:lvl9pPr marL="2743200" indent="0" algn="ctr">
               <a:buNone/>
               <a:defRPr>
                 <a:solidFill>
@@ -320,88 +319,63 @@
           <a:p>
             <a:r>
               <a:rPr lang="en-US" dirty="0"/>
-              <a:t>Click to edit </a:t>
-            </a:r>
-          </a:p>
-          <a:p>
-            <a:r>
-              <a:rPr lang="en-US" dirty="0"/>
-              <a:t>Master subtitle style</a:t>
-            </a:r>
-          </a:p>
-        </p:txBody>
-      </p:sp>
-      <p:sp>
-        <p:nvSpPr>
-          <p:cNvPr id="4" name="Date Placeholder 3"/>
-          <p:cNvSpPr>
-            <a:spLocks noGrp="1"/>
-          </p:cNvSpPr>
-          <p:nvPr>
-            <p:ph type="dt" sz="half" idx="10"/>
-          </p:nvPr>
-        </p:nvSpPr>
-        <p:spPr/>
-        <p:txBody>
-          <a:bodyPr/>
-          <a:lstStyle/>
-          <a:p>
-            <a:fld id="{53074F12-AA26-4AC8-9962-C36BB8F32554}" type="datetimeFigureOut">
-              <a:rPr lang="en-US" smtClean="0"/>
-              <a:pPr/>
-              <a:t>4/10/2022</a:t>
-            </a:fld>
-            <a:endParaRPr lang="en-US"/>
-          </a:p>
-        </p:txBody>
-      </p:sp>
-      <p:sp>
-        <p:nvSpPr>
-          <p:cNvPr id="5" name="Footer Placeholder 4"/>
-          <p:cNvSpPr>
-            <a:spLocks noGrp="1"/>
-          </p:cNvSpPr>
-          <p:nvPr>
-            <p:ph type="ftr" sz="quarter" idx="11"/>
-          </p:nvPr>
-        </p:nvSpPr>
-        <p:spPr/>
-        <p:txBody>
-          <a:bodyPr/>
-          <a:lstStyle/>
-          <a:p>
-            <a:endParaRPr lang="en-US" dirty="0"/>
-          </a:p>
-        </p:txBody>
-      </p:sp>
-      <p:sp>
-        <p:nvSpPr>
-          <p:cNvPr id="6" name="Slide Number Placeholder 5"/>
-          <p:cNvSpPr>
-            <a:spLocks noGrp="1"/>
-          </p:cNvSpPr>
-          <p:nvPr>
-            <p:ph type="sldNum" sz="quarter" idx="12"/>
-          </p:nvPr>
-        </p:nvSpPr>
-        <p:spPr/>
-        <p:txBody>
-          <a:bodyPr/>
-          <a:lstStyle/>
-          <a:p>
-            <a:fld id="{B82CCC60-E8CD-4174-8B1A-7DF615B22EEF}" type="slidenum">
-              <a:rPr lang="en-US" smtClean="0"/>
-              <a:pPr/>
-              <a:t>‹Nº›</a:t>
-            </a:fld>
-            <a:endParaRPr lang="en-US"/>
+              <a:t>Click to edit Master subtitle style</a:t>
+            </a:r>
+          </a:p>
+        </p:txBody>
+      </p:sp>
+      <p:sp>
+        <p:nvSpPr>
+          <p:cNvPr id="8" name="CuadroTexto 7">
+            <a:extLst>
+              <a:ext uri="{FF2B5EF4-FFF2-40B4-BE49-F238E27FC236}">
+                <a16:creationId xmlns:a16="http://schemas.microsoft.com/office/drawing/2014/main" id="{BCB0E7DB-0989-4D2E-AB9B-DE4CC9B56CA7}"/>
+              </a:ext>
+            </a:extLst>
+          </p:cNvPr>
+          <p:cNvSpPr txBox="1"/>
+          <p:nvPr userDrawn="1"/>
+        </p:nvSpPr>
+        <p:spPr>
+          <a:xfrm>
+            <a:off x="3820633" y="3992751"/>
+            <a:ext cx="4866167" cy="646331"/>
+          </a:xfrm>
+          <a:prstGeom prst="rect">
+            <a:avLst/>
+          </a:prstGeom>
+          <a:solidFill>
+            <a:schemeClr val="bg1">
+              <a:alpha val="34000"/>
+            </a:schemeClr>
+          </a:solidFill>
+        </p:spPr>
+        <p:txBody>
+          <a:bodyPr wrap="square" rtlCol="0">
+            <a:spAutoFit/>
+          </a:bodyPr>
+          <a:lstStyle/>
+          <a:p>
+            <a:pPr algn="r"/>
+            <a:r>
+              <a:rPr lang="es-419" b="1" dirty="0"/>
+              <a:t>Realizado por: </a:t>
+            </a:r>
+          </a:p>
+          <a:p>
+            <a:pPr algn="r"/>
+            <a:r>
+              <a:rPr lang="es-419" b="1" dirty="0"/>
+              <a:t>Gavazut, E. ; Riera, L. ; Cordero, M.</a:t>
+            </a:r>
+            <a:endParaRPr lang="en-US" b="1" dirty="0"/>
           </a:p>
         </p:txBody>
       </p:sp>
     </p:spTree>
     <p:extLst>
       <p:ext uri="{BB962C8B-B14F-4D97-AF65-F5344CB8AC3E}">
-        <p14:creationId xmlns:p14="http://schemas.microsoft.com/office/powerpoint/2010/main" val="3253875174"/>
+        <p14:creationId xmlns:p14="http://schemas.microsoft.com/office/powerpoint/2010/main" val="1444357513"/>
       </p:ext>
     </p:extLst>
   </p:cSld>
@@ -412,260 +386,6 @@
 </file>
 
 <file path=ppt/slideLayouts/slideLayout10.xml><?xml version="1.0" encoding="utf-8"?>
-<p:sldLayout xmlns:a="http://schemas.openxmlformats.org/drawingml/2006/main" xmlns:r="http://schemas.openxmlformats.org/officeDocument/2006/relationships" xmlns:p="http://schemas.openxmlformats.org/presentationml/2006/main" type="picTx" preserve="1">
-  <p:cSld name="Picture with Caption">
-    <p:spTree>
-      <p:nvGrpSpPr>
-        <p:cNvPr id="1" name=""/>
-        <p:cNvGrpSpPr/>
-        <p:nvPr/>
-      </p:nvGrpSpPr>
-      <p:grpSpPr>
-        <a:xfrm>
-          <a:off x="0" y="0"/>
-          <a:ext cx="0" cy="0"/>
-          <a:chOff x="0" y="0"/>
-          <a:chExt cx="0" cy="0"/>
-        </a:xfrm>
-      </p:grpSpPr>
-      <p:sp>
-        <p:nvSpPr>
-          <p:cNvPr id="2" name="Title 1"/>
-          <p:cNvSpPr>
-            <a:spLocks noGrp="1"/>
-          </p:cNvSpPr>
-          <p:nvPr>
-            <p:ph type="title"/>
-          </p:nvPr>
-        </p:nvSpPr>
-        <p:spPr>
-          <a:xfrm>
-            <a:off x="1792288" y="3600450"/>
-            <a:ext cx="5486400" cy="425054"/>
-          </a:xfrm>
-        </p:spPr>
-        <p:txBody>
-          <a:bodyPr anchor="b"/>
-          <a:lstStyle>
-            <a:lvl1pPr algn="l">
-              <a:defRPr sz="2000" b="1"/>
-            </a:lvl1pPr>
-          </a:lstStyle>
-          <a:p>
-            <a:r>
-              <a:rPr lang="en-US"/>
-              <a:t>Click to edit Master title style</a:t>
-            </a:r>
-          </a:p>
-        </p:txBody>
-      </p:sp>
-      <p:sp>
-        <p:nvSpPr>
-          <p:cNvPr id="3" name="Picture Placeholder 2"/>
-          <p:cNvSpPr>
-            <a:spLocks noGrp="1"/>
-          </p:cNvSpPr>
-          <p:nvPr>
-            <p:ph type="pic" idx="1"/>
-          </p:nvPr>
-        </p:nvSpPr>
-        <p:spPr>
-          <a:xfrm>
-            <a:off x="1792288" y="459581"/>
-            <a:ext cx="5486400" cy="3086100"/>
-          </a:xfrm>
-        </p:spPr>
-        <p:txBody>
-          <a:bodyPr/>
-          <a:lstStyle>
-            <a:lvl1pPr marL="0" indent="0">
-              <a:buNone/>
-              <a:defRPr sz="3200"/>
-            </a:lvl1pPr>
-            <a:lvl2pPr marL="457200" indent="0">
-              <a:buNone/>
-              <a:defRPr sz="2800"/>
-            </a:lvl2pPr>
-            <a:lvl3pPr marL="914400" indent="0">
-              <a:buNone/>
-              <a:defRPr sz="2400"/>
-            </a:lvl3pPr>
-            <a:lvl4pPr marL="1371600" indent="0">
-              <a:buNone/>
-              <a:defRPr sz="2000"/>
-            </a:lvl4pPr>
-            <a:lvl5pPr marL="1828800" indent="0">
-              <a:buNone/>
-              <a:defRPr sz="2000"/>
-            </a:lvl5pPr>
-            <a:lvl6pPr marL="2286000" indent="0">
-              <a:buNone/>
-              <a:defRPr sz="2000"/>
-            </a:lvl6pPr>
-            <a:lvl7pPr marL="2743200" indent="0">
-              <a:buNone/>
-              <a:defRPr sz="2000"/>
-            </a:lvl7pPr>
-            <a:lvl8pPr marL="3200400" indent="0">
-              <a:buNone/>
-              <a:defRPr sz="2000"/>
-            </a:lvl8pPr>
-            <a:lvl9pPr marL="3657600" indent="0">
-              <a:buNone/>
-              <a:defRPr sz="2000"/>
-            </a:lvl9pPr>
-          </a:lstStyle>
-          <a:p>
-            <a:endParaRPr lang="en-US"/>
-          </a:p>
-        </p:txBody>
-      </p:sp>
-      <p:sp>
-        <p:nvSpPr>
-          <p:cNvPr id="4" name="Text Placeholder 3"/>
-          <p:cNvSpPr>
-            <a:spLocks noGrp="1"/>
-          </p:cNvSpPr>
-          <p:nvPr>
-            <p:ph type="body" sz="half" idx="2"/>
-          </p:nvPr>
-        </p:nvSpPr>
-        <p:spPr>
-          <a:xfrm>
-            <a:off x="1792288" y="4025503"/>
-            <a:ext cx="5486400" cy="603647"/>
-          </a:xfrm>
-        </p:spPr>
-        <p:txBody>
-          <a:bodyPr/>
-          <a:lstStyle>
-            <a:lvl1pPr marL="0" indent="0">
-              <a:buNone/>
-              <a:defRPr sz="1400"/>
-            </a:lvl1pPr>
-            <a:lvl2pPr marL="457200" indent="0">
-              <a:buNone/>
-              <a:defRPr sz="1200"/>
-            </a:lvl2pPr>
-            <a:lvl3pPr marL="914400" indent="0">
-              <a:buNone/>
-              <a:defRPr sz="1000"/>
-            </a:lvl3pPr>
-            <a:lvl4pPr marL="1371600" indent="0">
-              <a:buNone/>
-              <a:defRPr sz="900"/>
-            </a:lvl4pPr>
-            <a:lvl5pPr marL="1828800" indent="0">
-              <a:buNone/>
-              <a:defRPr sz="900"/>
-            </a:lvl5pPr>
-            <a:lvl6pPr marL="2286000" indent="0">
-              <a:buNone/>
-              <a:defRPr sz="900"/>
-            </a:lvl6pPr>
-            <a:lvl7pPr marL="2743200" indent="0">
-              <a:buNone/>
-              <a:defRPr sz="900"/>
-            </a:lvl7pPr>
-            <a:lvl8pPr marL="3200400" indent="0">
-              <a:buNone/>
-              <a:defRPr sz="900"/>
-            </a:lvl8pPr>
-            <a:lvl9pPr marL="3657600" indent="0">
-              <a:buNone/>
-              <a:defRPr sz="900"/>
-            </a:lvl9pPr>
-          </a:lstStyle>
-          <a:p>
-            <a:pPr lvl="0"/>
-            <a:r>
-              <a:rPr lang="en-US"/>
-              <a:t>Click to edit Master text styles</a:t>
-            </a:r>
-          </a:p>
-        </p:txBody>
-      </p:sp>
-      <p:sp>
-        <p:nvSpPr>
-          <p:cNvPr id="5" name="Date Placeholder 4"/>
-          <p:cNvSpPr>
-            <a:spLocks noGrp="1"/>
-          </p:cNvSpPr>
-          <p:nvPr>
-            <p:ph type="dt" sz="half" idx="10"/>
-          </p:nvPr>
-        </p:nvSpPr>
-        <p:spPr/>
-        <p:txBody>
-          <a:bodyPr/>
-          <a:lstStyle/>
-          <a:p>
-            <a:fld id="{53074F12-AA26-4AC8-9962-C36BB8F32554}" type="datetimeFigureOut">
-              <a:rPr lang="en-US" smtClean="0"/>
-              <a:pPr/>
-              <a:t>4/10/2022</a:t>
-            </a:fld>
-            <a:endParaRPr lang="en-US"/>
-          </a:p>
-        </p:txBody>
-      </p:sp>
-      <p:sp>
-        <p:nvSpPr>
-          <p:cNvPr id="6" name="Footer Placeholder 5"/>
-          <p:cNvSpPr>
-            <a:spLocks noGrp="1"/>
-          </p:cNvSpPr>
-          <p:nvPr>
-            <p:ph type="ftr" sz="quarter" idx="11"/>
-          </p:nvPr>
-        </p:nvSpPr>
-        <p:spPr/>
-        <p:txBody>
-          <a:bodyPr/>
-          <a:lstStyle/>
-          <a:p>
-            <a:endParaRPr lang="en-US"/>
-          </a:p>
-        </p:txBody>
-      </p:sp>
-      <p:sp>
-        <p:nvSpPr>
-          <p:cNvPr id="7" name="Slide Number Placeholder 6"/>
-          <p:cNvSpPr>
-            <a:spLocks noGrp="1"/>
-          </p:cNvSpPr>
-          <p:nvPr>
-            <p:ph type="sldNum" sz="quarter" idx="12"/>
-          </p:nvPr>
-        </p:nvSpPr>
-        <p:spPr/>
-        <p:txBody>
-          <a:bodyPr/>
-          <a:lstStyle/>
-          <a:p>
-            <a:fld id="{B82CCC60-E8CD-4174-8B1A-7DF615B22EEF}" type="slidenum">
-              <a:rPr lang="en-US" smtClean="0"/>
-              <a:pPr/>
-              <a:t>‹Nº›</a:t>
-            </a:fld>
-            <a:endParaRPr lang="en-US"/>
-          </a:p>
-        </p:txBody>
-      </p:sp>
-    </p:spTree>
-    <p:extLst>
-      <p:ext uri="{BB962C8B-B14F-4D97-AF65-F5344CB8AC3E}">
-        <p14:creationId xmlns:p14="http://schemas.microsoft.com/office/powerpoint/2010/main" val="477607843"/>
-      </p:ext>
-    </p:extLst>
-  </p:cSld>
-  <p:clrMapOvr>
-    <a:masterClrMapping/>
-  </p:clrMapOvr>
-</p:sldLayout>
-</file>
-
-<file path=ppt/slideLayouts/slideLayout11.xml><?xml version="1.0" encoding="utf-8"?>
 <p:sldLayout xmlns:a="http://schemas.openxmlformats.org/drawingml/2006/main" xmlns:r="http://schemas.openxmlformats.org/officeDocument/2006/relationships" xmlns:p="http://schemas.openxmlformats.org/presentationml/2006/main" type="vertTx" preserve="1">
   <p:cSld name="Title and Vertical Text">
     <p:spTree>
@@ -770,10 +490,9 @@
           <a:bodyPr/>
           <a:lstStyle/>
           <a:p>
-            <a:fld id="{53074F12-AA26-4AC8-9962-C36BB8F32554}" type="datetimeFigureOut">
+            <a:fld id="{69492B19-B96D-4187-A29C-2A7F8701D2C8}" type="datetime1">
               <a:rPr lang="en-US" smtClean="0"/>
-              <a:pPr/>
-              <a:t>4/10/2022</a:t>
+              <a:t>4/17/2022</a:t>
             </a:fld>
             <a:endParaRPr lang="en-US"/>
           </a:p>
@@ -794,7 +513,10 @@
           <a:bodyPr/>
           <a:lstStyle/>
           <a:p>
-            <a:endParaRPr lang="en-US"/>
+            <a:r>
+              <a:rPr lang="en-US"/>
+              <a:t>Cordero, M.; Gavazut, E.; Riera, L                   Proyecto final de Estadistica para Matemáticos– CO3322                         Profesor Pedro Ovalles</a:t>
+            </a:r>
           </a:p>
         </p:txBody>
       </p:sp>
@@ -813,9 +535,8 @@
           <a:bodyPr/>
           <a:lstStyle/>
           <a:p>
-            <a:fld id="{B82CCC60-E8CD-4174-8B1A-7DF615B22EEF}" type="slidenum">
+            <a:fld id="{C5EF2332-01BF-834F-8236-50238282D533}" type="slidenum">
               <a:rPr lang="en-US" smtClean="0"/>
-              <a:pPr/>
               <a:t>‹Nº›</a:t>
             </a:fld>
             <a:endParaRPr lang="en-US"/>
@@ -825,7 +546,7 @@
     </p:spTree>
     <p:extLst>
       <p:ext uri="{BB962C8B-B14F-4D97-AF65-F5344CB8AC3E}">
-        <p14:creationId xmlns:p14="http://schemas.microsoft.com/office/powerpoint/2010/main" val="3428665726"/>
+        <p14:creationId xmlns:p14="http://schemas.microsoft.com/office/powerpoint/2010/main" val="313914798"/>
       </p:ext>
     </p:extLst>
   </p:cSld>
@@ -835,7 +556,7 @@
 </p:sldLayout>
 </file>
 
-<file path=ppt/slideLayouts/slideLayout12.xml><?xml version="1.0" encoding="utf-8"?>
+<file path=ppt/slideLayouts/slideLayout11.xml><?xml version="1.0" encoding="utf-8"?>
 <p:sldLayout xmlns:a="http://schemas.openxmlformats.org/drawingml/2006/main" xmlns:r="http://schemas.openxmlformats.org/officeDocument/2006/relationships" xmlns:p="http://schemas.openxmlformats.org/presentationml/2006/main" type="vertTitleAndTx" preserve="1">
   <p:cSld name="Vertical Title and Text">
     <p:spTree>
@@ -950,10 +671,9 @@
           <a:bodyPr/>
           <a:lstStyle/>
           <a:p>
-            <a:fld id="{53074F12-AA26-4AC8-9962-C36BB8F32554}" type="datetimeFigureOut">
+            <a:fld id="{9F18974B-D1AF-41D4-8E98-F7A76FB77A53}" type="datetime1">
               <a:rPr lang="en-US" smtClean="0"/>
-              <a:pPr/>
-              <a:t>4/10/2022</a:t>
+              <a:t>4/17/2022</a:t>
             </a:fld>
             <a:endParaRPr lang="en-US"/>
           </a:p>
@@ -974,7 +694,10 @@
           <a:bodyPr/>
           <a:lstStyle/>
           <a:p>
-            <a:endParaRPr lang="en-US"/>
+            <a:r>
+              <a:rPr lang="en-US"/>
+              <a:t>Cordero, M.; Gavazut, E.; Riera, L                   Proyecto final de Estadistica para Matemáticos– CO3322                         Profesor Pedro Ovalles</a:t>
+            </a:r>
           </a:p>
         </p:txBody>
       </p:sp>
@@ -993,68 +716,18 @@
           <a:bodyPr/>
           <a:lstStyle/>
           <a:p>
-            <a:fld id="{B82CCC60-E8CD-4174-8B1A-7DF615B22EEF}" type="slidenum">
+            <a:fld id="{C5EF2332-01BF-834F-8236-50238282D533}" type="slidenum">
               <a:rPr lang="en-US" smtClean="0"/>
-              <a:pPr/>
               <a:t>‹Nº›</a:t>
             </a:fld>
             <a:endParaRPr lang="en-US"/>
           </a:p>
         </p:txBody>
       </p:sp>
-      <p:pic>
-        <p:nvPicPr>
-          <p:cNvPr id="7" name="Picture 6" descr="E:\websites\free-power-point-templates\2012\logos.png">
-            <a:extLst>
-              <a:ext uri="{FF2B5EF4-FFF2-40B4-BE49-F238E27FC236}">
-                <a16:creationId xmlns:a16="http://schemas.microsoft.com/office/drawing/2014/main" id="{EC5FB425-6631-4F67-BE24-087470737466}"/>
-              </a:ext>
-            </a:extLst>
-          </p:cNvPr>
-          <p:cNvPicPr>
-            <a:picLocks noChangeAspect="1" noChangeArrowheads="1"/>
-          </p:cNvPicPr>
-          <p:nvPr userDrawn="1"/>
-        </p:nvPicPr>
-        <p:blipFill>
-          <a:blip r:embed="rId2">
-            <a:extLst>
-              <a:ext uri="{28A0092B-C50C-407E-A947-70E740481C1C}">
-                <a14:useLocalDpi xmlns:a14="http://schemas.microsoft.com/office/drawing/2010/main" val="0"/>
-              </a:ext>
-            </a:extLst>
-          </a:blip>
-          <a:stretch>
-            <a:fillRect/>
-          </a:stretch>
-        </p:blipFill>
-        <p:spPr bwMode="auto">
-          <a:xfrm>
-            <a:off x="3918306" y="2326213"/>
-            <a:ext cx="1463784" cy="526961"/>
-          </a:xfrm>
-          <a:prstGeom prst="rect">
-            <a:avLst/>
-          </a:prstGeom>
-          <a:noFill/>
-          <a:ln>
-            <a:noFill/>
-          </a:ln>
-          <a:extLst>
-            <a:ext uri="{909E8E84-426E-40DD-AFC4-6F175D3DCCD1}">
-              <a14:hiddenFill xmlns:a14="http://schemas.microsoft.com/office/drawing/2010/main">
-                <a:solidFill>
-                  <a:srgbClr val="FFFFFF"/>
-                </a:solidFill>
-              </a14:hiddenFill>
-            </a:ext>
-          </a:extLst>
-        </p:spPr>
-      </p:pic>
     </p:spTree>
     <p:extLst>
       <p:ext uri="{BB962C8B-B14F-4D97-AF65-F5344CB8AC3E}">
-        <p14:creationId xmlns:p14="http://schemas.microsoft.com/office/powerpoint/2010/main" val="893609949"/>
+        <p14:creationId xmlns:p14="http://schemas.microsoft.com/office/powerpoint/2010/main" val="2581529045"/>
       </p:ext>
     </p:extLst>
   </p:cSld>
@@ -1064,242 +737,9 @@
 </p:sldLayout>
 </file>
 
-<file path=ppt/slideLayouts/slideLayout2.xml><?xml version="1.0" encoding="utf-8"?>
-<p:sldLayout xmlns:a="http://schemas.openxmlformats.org/drawingml/2006/main" xmlns:r="http://schemas.openxmlformats.org/officeDocument/2006/relationships" xmlns:p="http://schemas.openxmlformats.org/presentationml/2006/main" type="obj" preserve="1">
-  <p:cSld name="Title and Content">
-    <p:spTree>
-      <p:nvGrpSpPr>
-        <p:cNvPr id="1" name=""/>
-        <p:cNvGrpSpPr/>
-        <p:nvPr/>
-      </p:nvGrpSpPr>
-      <p:grpSpPr>
-        <a:xfrm>
-          <a:off x="0" y="0"/>
-          <a:ext cx="0" cy="0"/>
-          <a:chOff x="0" y="0"/>
-          <a:chExt cx="0" cy="0"/>
-        </a:xfrm>
-      </p:grpSpPr>
-      <p:sp>
-        <p:nvSpPr>
-          <p:cNvPr id="2" name="Title 1"/>
-          <p:cNvSpPr>
-            <a:spLocks noGrp="1"/>
-          </p:cNvSpPr>
-          <p:nvPr>
-            <p:ph type="title"/>
-          </p:nvPr>
-        </p:nvSpPr>
-        <p:spPr>
-          <a:xfrm>
-            <a:off x="448965" y="281175"/>
-            <a:ext cx="8246070" cy="916230"/>
-          </a:xfrm>
-        </p:spPr>
-        <p:txBody>
-          <a:bodyPr>
-            <a:normAutofit/>
-          </a:bodyPr>
-          <a:lstStyle>
-            <a:lvl1pPr algn="l">
-              <a:defRPr sz="3600" baseline="0">
-                <a:solidFill>
-                  <a:srgbClr val="FF5E1D"/>
-                </a:solidFill>
-                <a:effectLst>
-                  <a:outerShdw blurRad="50800" dist="38100" dir="2700000" algn="tl" rotWithShape="0">
-                    <a:prstClr val="black">
-                      <a:alpha val="40000"/>
-                    </a:prstClr>
-                  </a:outerShdw>
-                </a:effectLst>
-              </a:defRPr>
-            </a:lvl1pPr>
-          </a:lstStyle>
-          <a:p>
-            <a:r>
-              <a:rPr lang="en-US" dirty="0"/>
-              <a:t>Click to edit Master title style</a:t>
-            </a:r>
-          </a:p>
-        </p:txBody>
-      </p:sp>
-      <p:sp>
-        <p:nvSpPr>
-          <p:cNvPr id="3" name="Content Placeholder 2"/>
-          <p:cNvSpPr>
-            <a:spLocks noGrp="1"/>
-          </p:cNvSpPr>
-          <p:nvPr>
-            <p:ph idx="1"/>
-          </p:nvPr>
-        </p:nvSpPr>
-        <p:spPr>
-          <a:xfrm>
-            <a:off x="448966" y="1197405"/>
-            <a:ext cx="8246070" cy="3512215"/>
-          </a:xfrm>
-        </p:spPr>
-        <p:txBody>
-          <a:bodyPr/>
-          <a:lstStyle>
-            <a:lvl1pPr algn="l">
-              <a:defRPr sz="2800">
-                <a:solidFill>
-                  <a:schemeClr val="tx1"/>
-                </a:solidFill>
-              </a:defRPr>
-            </a:lvl1pPr>
-            <a:lvl2pPr algn="l">
-              <a:defRPr>
-                <a:solidFill>
-                  <a:schemeClr val="tx1"/>
-                </a:solidFill>
-              </a:defRPr>
-            </a:lvl2pPr>
-            <a:lvl3pPr algn="l">
-              <a:defRPr>
-                <a:solidFill>
-                  <a:schemeClr val="tx1"/>
-                </a:solidFill>
-              </a:defRPr>
-            </a:lvl3pPr>
-            <a:lvl4pPr algn="l">
-              <a:defRPr>
-                <a:solidFill>
-                  <a:schemeClr val="tx1"/>
-                </a:solidFill>
-              </a:defRPr>
-            </a:lvl4pPr>
-            <a:lvl5pPr algn="l">
-              <a:defRPr>
-                <a:solidFill>
-                  <a:schemeClr val="tx1"/>
-                </a:solidFill>
-              </a:defRPr>
-            </a:lvl5pPr>
-          </a:lstStyle>
-          <a:p>
-            <a:pPr lvl="0"/>
-            <a:r>
-              <a:rPr lang="en-US" dirty="0"/>
-              <a:t>Click to edit Master text styles</a:t>
-            </a:r>
-          </a:p>
-          <a:p>
-            <a:pPr lvl="1"/>
-            <a:r>
-              <a:rPr lang="en-US" dirty="0"/>
-              <a:t>Second level</a:t>
-            </a:r>
-          </a:p>
-          <a:p>
-            <a:pPr lvl="2"/>
-            <a:r>
-              <a:rPr lang="en-US" dirty="0"/>
-              <a:t>Third level</a:t>
-            </a:r>
-          </a:p>
-          <a:p>
-            <a:pPr lvl="3"/>
-            <a:r>
-              <a:rPr lang="en-US" dirty="0"/>
-              <a:t>Fourth level</a:t>
-            </a:r>
-          </a:p>
-          <a:p>
-            <a:pPr lvl="4"/>
-            <a:r>
-              <a:rPr lang="en-US" dirty="0"/>
-              <a:t>Fifth level</a:t>
-            </a:r>
-          </a:p>
-        </p:txBody>
-      </p:sp>
-      <p:sp>
-        <p:nvSpPr>
-          <p:cNvPr id="4" name="Date Placeholder 3"/>
-          <p:cNvSpPr>
-            <a:spLocks noGrp="1"/>
-          </p:cNvSpPr>
-          <p:nvPr>
-            <p:ph type="dt" sz="half" idx="10"/>
-          </p:nvPr>
-        </p:nvSpPr>
-        <p:spPr/>
-        <p:txBody>
-          <a:bodyPr/>
-          <a:lstStyle/>
-          <a:p>
-            <a:fld id="{53074F12-AA26-4AC8-9962-C36BB8F32554}" type="datetimeFigureOut">
-              <a:rPr lang="en-US" smtClean="0"/>
-              <a:pPr/>
-              <a:t>4/10/2022</a:t>
-            </a:fld>
-            <a:endParaRPr lang="en-US"/>
-          </a:p>
-        </p:txBody>
-      </p:sp>
-      <p:sp>
-        <p:nvSpPr>
-          <p:cNvPr id="5" name="Footer Placeholder 4"/>
-          <p:cNvSpPr>
-            <a:spLocks noGrp="1"/>
-          </p:cNvSpPr>
-          <p:nvPr>
-            <p:ph type="ftr" sz="quarter" idx="11"/>
-          </p:nvPr>
-        </p:nvSpPr>
-        <p:spPr/>
-        <p:txBody>
-          <a:bodyPr/>
-          <a:lstStyle/>
-          <a:p>
-            <a:endParaRPr lang="en-US"/>
-          </a:p>
-        </p:txBody>
-      </p:sp>
-      <p:sp>
-        <p:nvSpPr>
-          <p:cNvPr id="6" name="Slide Number Placeholder 5"/>
-          <p:cNvSpPr>
-            <a:spLocks noGrp="1"/>
-          </p:cNvSpPr>
-          <p:nvPr>
-            <p:ph type="sldNum" sz="quarter" idx="12"/>
-          </p:nvPr>
-        </p:nvSpPr>
-        <p:spPr/>
-        <p:txBody>
-          <a:bodyPr/>
-          <a:lstStyle/>
-          <a:p>
-            <a:fld id="{B82CCC60-E8CD-4174-8B1A-7DF615B22EEF}" type="slidenum">
-              <a:rPr lang="en-US" smtClean="0"/>
-              <a:pPr/>
-              <a:t>‹Nº›</a:t>
-            </a:fld>
-            <a:endParaRPr lang="en-US"/>
-          </a:p>
-        </p:txBody>
-      </p:sp>
-    </p:spTree>
-    <p:extLst>
-      <p:ext uri="{BB962C8B-B14F-4D97-AF65-F5344CB8AC3E}">
-        <p14:creationId xmlns:p14="http://schemas.microsoft.com/office/powerpoint/2010/main" val="1664471362"/>
-      </p:ext>
-    </p:extLst>
-  </p:cSld>
-  <p:clrMapOvr>
-    <a:masterClrMapping/>
-  </p:clrMapOvr>
-</p:sldLayout>
-</file>
-
-<file path=ppt/slideLayouts/slideLayout3.xml><?xml version="1.0" encoding="utf-8"?>
-<p:sldLayout xmlns:a="http://schemas.openxmlformats.org/drawingml/2006/main" xmlns:r="http://schemas.openxmlformats.org/officeDocument/2006/relationships" xmlns:p="http://schemas.openxmlformats.org/presentationml/2006/main" type="obj" preserve="1">
-  <p:cSld name="1_Title and Content">
+<file path=ppt/slideLayouts/slideLayout12.xml><?xml version="1.0" encoding="utf-8"?>
+<p:sldLayout xmlns:a="http://schemas.openxmlformats.org/drawingml/2006/main" xmlns:r="http://schemas.openxmlformats.org/officeDocument/2006/relationships" xmlns:p="http://schemas.openxmlformats.org/presentationml/2006/main" preserve="1" userDrawn="1">
+  <p:cSld name="footer">
     <p:bg>
       <p:bgPr>
         <a:blipFill dpi="0" rotWithShape="1">
@@ -1335,206 +775,45 @@
             <a:spLocks noGrp="1"/>
           </p:cNvSpPr>
           <p:nvPr>
-            <p:ph type="title"/>
+            <p:ph type="ctrTitle" hasCustomPrompt="1"/>
           </p:nvPr>
         </p:nvSpPr>
         <p:spPr>
           <a:xfrm>
-            <a:off x="2434130" y="433880"/>
-            <a:ext cx="6260905" cy="572644"/>
+            <a:off x="793819" y="2020490"/>
+            <a:ext cx="7772400" cy="1102519"/>
           </a:xfrm>
+          <a:solidFill>
+            <a:schemeClr val="tx1">
+              <a:alpha val="46000"/>
+            </a:schemeClr>
+          </a:solidFill>
         </p:spPr>
         <p:txBody>
           <a:bodyPr>
-            <a:normAutofit/>
+            <a:noAutofit/>
           </a:bodyPr>
           <a:lstStyle>
-            <a:lvl1pPr algn="l">
-              <a:defRPr sz="3600">
+            <a:lvl1pPr algn="ctr">
+              <a:defRPr sz="4400" b="1">
                 <a:solidFill>
-                  <a:srgbClr val="FF5E1D"/>
+                  <a:srgbClr val="00FF00"/>
                 </a:solidFill>
-                <a:effectLst>
-                  <a:outerShdw blurRad="50800" dist="38100" dir="2700000" algn="tl" rotWithShape="0">
-                    <a:prstClr val="black">
-                      <a:alpha val="40000"/>
-                    </a:prstClr>
-                  </a:outerShdw>
-                </a:effectLst>
               </a:defRPr>
             </a:lvl1pPr>
           </a:lstStyle>
           <a:p>
             <a:r>
               <a:rPr lang="en-US" dirty="0"/>
-              <a:t>Click to edit Master title style</a:t>
-            </a:r>
-          </a:p>
-        </p:txBody>
-      </p:sp>
-      <p:sp>
-        <p:nvSpPr>
-          <p:cNvPr id="3" name="Content Placeholder 2"/>
-          <p:cNvSpPr>
-            <a:spLocks noGrp="1"/>
-          </p:cNvSpPr>
-          <p:nvPr>
-            <p:ph idx="1"/>
-          </p:nvPr>
-        </p:nvSpPr>
-        <p:spPr>
-          <a:xfrm>
-            <a:off x="2434130" y="1197405"/>
-            <a:ext cx="6260905" cy="3511061"/>
-          </a:xfrm>
-        </p:spPr>
-        <p:txBody>
-          <a:bodyPr/>
-          <a:lstStyle>
-            <a:lvl1pPr>
-              <a:defRPr sz="2800">
-                <a:solidFill>
-                  <a:schemeClr val="tx1"/>
-                </a:solidFill>
-              </a:defRPr>
-            </a:lvl1pPr>
-            <a:lvl2pPr>
-              <a:defRPr>
-                <a:solidFill>
-                  <a:schemeClr val="tx1"/>
-                </a:solidFill>
-              </a:defRPr>
-            </a:lvl2pPr>
-            <a:lvl3pPr>
-              <a:defRPr>
-                <a:solidFill>
-                  <a:schemeClr val="tx1"/>
-                </a:solidFill>
-              </a:defRPr>
-            </a:lvl3pPr>
-            <a:lvl4pPr>
-              <a:defRPr>
-                <a:solidFill>
-                  <a:schemeClr val="tx1"/>
-                </a:solidFill>
-              </a:defRPr>
-            </a:lvl4pPr>
-            <a:lvl5pPr>
-              <a:defRPr>
-                <a:solidFill>
-                  <a:schemeClr val="tx1"/>
-                </a:solidFill>
-              </a:defRPr>
-            </a:lvl5pPr>
-          </a:lstStyle>
-          <a:p>
-            <a:pPr lvl="0"/>
-            <a:r>
-              <a:rPr lang="en-US" dirty="0"/>
-              <a:t>Click to edit Master text styles</a:t>
-            </a:r>
-          </a:p>
-          <a:p>
-            <a:pPr lvl="1"/>
-            <a:r>
-              <a:rPr lang="en-US" dirty="0"/>
-              <a:t>Second level</a:t>
-            </a:r>
-          </a:p>
-          <a:p>
-            <a:pPr lvl="2"/>
-            <a:r>
-              <a:rPr lang="en-US" dirty="0"/>
-              <a:t>Third level</a:t>
-            </a:r>
-          </a:p>
-          <a:p>
-            <a:pPr lvl="3"/>
-            <a:r>
-              <a:rPr lang="en-US" dirty="0"/>
-              <a:t>Fourth level</a:t>
-            </a:r>
-          </a:p>
-          <a:p>
-            <a:pPr lvl="4"/>
-            <a:r>
-              <a:rPr lang="en-US" dirty="0"/>
-              <a:t>Fifth level</a:t>
-            </a:r>
-          </a:p>
-        </p:txBody>
-      </p:sp>
-      <p:sp>
-        <p:nvSpPr>
-          <p:cNvPr id="4" name="Date Placeholder 3"/>
-          <p:cNvSpPr>
-            <a:spLocks noGrp="1"/>
-          </p:cNvSpPr>
-          <p:nvPr>
-            <p:ph type="dt" sz="half" idx="10"/>
-          </p:nvPr>
-        </p:nvSpPr>
-        <p:spPr/>
-        <p:txBody>
-          <a:bodyPr/>
-          <a:lstStyle/>
-          <a:p>
-            <a:fld id="{53074F12-AA26-4AC8-9962-C36BB8F32554}" type="datetimeFigureOut">
-              <a:rPr lang="en-US" smtClean="0"/>
-              <a:pPr/>
-              <a:t>4/10/2022</a:t>
-            </a:fld>
-            <a:endParaRPr lang="en-US"/>
-          </a:p>
-        </p:txBody>
-      </p:sp>
-      <p:sp>
-        <p:nvSpPr>
-          <p:cNvPr id="5" name="Footer Placeholder 4"/>
-          <p:cNvSpPr>
-            <a:spLocks noGrp="1"/>
-          </p:cNvSpPr>
-          <p:nvPr>
-            <p:ph type="ftr" sz="quarter" idx="11"/>
-          </p:nvPr>
-        </p:nvSpPr>
-        <p:spPr/>
-        <p:txBody>
-          <a:bodyPr/>
-          <a:lstStyle/>
-          <a:p>
-            <a:endParaRPr lang="en-US" dirty="0"/>
-          </a:p>
-        </p:txBody>
-      </p:sp>
-      <p:sp>
-        <p:nvSpPr>
-          <p:cNvPr id="6" name="Slide Number Placeholder 5"/>
-          <p:cNvSpPr>
-            <a:spLocks noGrp="1"/>
-          </p:cNvSpPr>
-          <p:nvPr>
-            <p:ph type="sldNum" sz="quarter" idx="12"/>
-          </p:nvPr>
-        </p:nvSpPr>
-        <p:spPr/>
-        <p:txBody>
-          <a:bodyPr/>
-          <a:lstStyle/>
-          <a:p>
-            <a:fld id="{B82CCC60-E8CD-4174-8B1A-7DF615B22EEF}" type="slidenum">
-              <a:rPr lang="en-US" smtClean="0"/>
-              <a:pPr/>
-              <a:t>‹Nº›</a:t>
-            </a:fld>
-            <a:endParaRPr lang="en-US"/>
+              <a:t>¡Gracias!</a:t>
+            </a:r>
           </a:p>
         </p:txBody>
       </p:sp>
     </p:spTree>
     <p:extLst>
       <p:ext uri="{BB962C8B-B14F-4D97-AF65-F5344CB8AC3E}">
-        <p14:creationId xmlns:p14="http://schemas.microsoft.com/office/powerpoint/2010/main" val="1629391393"/>
+        <p14:creationId xmlns:p14="http://schemas.microsoft.com/office/powerpoint/2010/main" val="3501638093"/>
       </p:ext>
     </p:extLst>
   </p:cSld>
@@ -1544,7 +823,225 @@
 </p:sldLayout>
 </file>
 
-<file path=ppt/slideLayouts/slideLayout4.xml><?xml version="1.0" encoding="utf-8"?>
+<file path=ppt/slideLayouts/slideLayout2.xml><?xml version="1.0" encoding="utf-8"?>
+<p:sldLayout xmlns:a="http://schemas.openxmlformats.org/drawingml/2006/main" xmlns:r="http://schemas.openxmlformats.org/officeDocument/2006/relationships" xmlns:p="http://schemas.openxmlformats.org/presentationml/2006/main" type="obj" preserve="1">
+  <p:cSld name="Title and Content">
+    <p:spTree>
+      <p:nvGrpSpPr>
+        <p:cNvPr id="1" name=""/>
+        <p:cNvGrpSpPr/>
+        <p:nvPr/>
+      </p:nvGrpSpPr>
+      <p:grpSpPr>
+        <a:xfrm>
+          <a:off x="0" y="0"/>
+          <a:ext cx="0" cy="0"/>
+          <a:chOff x="0" y="0"/>
+          <a:chExt cx="0" cy="0"/>
+        </a:xfrm>
+      </p:grpSpPr>
+      <p:sp>
+        <p:nvSpPr>
+          <p:cNvPr id="2" name="Title 1"/>
+          <p:cNvSpPr>
+            <a:spLocks noGrp="1"/>
+          </p:cNvSpPr>
+          <p:nvPr>
+            <p:ph type="title"/>
+          </p:nvPr>
+        </p:nvSpPr>
+        <p:spPr/>
+        <p:txBody>
+          <a:bodyPr/>
+          <a:lstStyle/>
+          <a:p>
+            <a:r>
+              <a:rPr lang="en-US"/>
+              <a:t>Click to edit Master title style</a:t>
+            </a:r>
+          </a:p>
+        </p:txBody>
+      </p:sp>
+      <p:sp>
+        <p:nvSpPr>
+          <p:cNvPr id="3" name="Content Placeholder 2"/>
+          <p:cNvSpPr>
+            <a:spLocks noGrp="1"/>
+          </p:cNvSpPr>
+          <p:nvPr>
+            <p:ph idx="1"/>
+          </p:nvPr>
+        </p:nvSpPr>
+        <p:spPr/>
+        <p:txBody>
+          <a:bodyPr/>
+          <a:lstStyle/>
+          <a:p>
+            <a:pPr lvl="0"/>
+            <a:r>
+              <a:rPr lang="en-US" dirty="0"/>
+              <a:t>Click to edit Master text styles</a:t>
+            </a:r>
+          </a:p>
+          <a:p>
+            <a:pPr lvl="1"/>
+            <a:r>
+              <a:rPr lang="en-US" dirty="0"/>
+              <a:t>Second level</a:t>
+            </a:r>
+          </a:p>
+          <a:p>
+            <a:pPr lvl="2"/>
+            <a:r>
+              <a:rPr lang="en-US" dirty="0"/>
+              <a:t>Third level</a:t>
+            </a:r>
+          </a:p>
+          <a:p>
+            <a:pPr lvl="3"/>
+            <a:r>
+              <a:rPr lang="en-US" dirty="0"/>
+              <a:t>Fourth level</a:t>
+            </a:r>
+          </a:p>
+          <a:p>
+            <a:pPr lvl="4"/>
+            <a:r>
+              <a:rPr lang="en-US" dirty="0"/>
+              <a:t>Fifth level</a:t>
+            </a:r>
+          </a:p>
+        </p:txBody>
+      </p:sp>
+      <p:sp>
+        <p:nvSpPr>
+          <p:cNvPr id="4" name="Date Placeholder 3"/>
+          <p:cNvSpPr>
+            <a:spLocks noGrp="1"/>
+          </p:cNvSpPr>
+          <p:nvPr>
+            <p:ph type="dt" sz="half" idx="10"/>
+          </p:nvPr>
+        </p:nvSpPr>
+        <p:spPr/>
+        <p:txBody>
+          <a:bodyPr/>
+          <a:lstStyle/>
+          <a:p>
+            <a:fld id="{1CD06654-6CEA-4282-986B-C223F35974FB}" type="datetime1">
+              <a:rPr lang="en-US" smtClean="0"/>
+              <a:t>4/17/2022</a:t>
+            </a:fld>
+            <a:endParaRPr lang="en-US"/>
+          </a:p>
+        </p:txBody>
+      </p:sp>
+      <p:sp>
+        <p:nvSpPr>
+          <p:cNvPr id="5" name="Footer Placeholder 4"/>
+          <p:cNvSpPr>
+            <a:spLocks noGrp="1"/>
+          </p:cNvSpPr>
+          <p:nvPr>
+            <p:ph type="ftr" sz="quarter" idx="11"/>
+          </p:nvPr>
+        </p:nvSpPr>
+        <p:spPr>
+          <a:xfrm>
+            <a:off x="1323088" y="4779093"/>
+            <a:ext cx="6826125" cy="273844"/>
+          </a:xfrm>
+        </p:spPr>
+        <p:txBody>
+          <a:bodyPr/>
+          <a:lstStyle/>
+          <a:p>
+            <a:r>
+              <a:rPr lang="en-US" dirty="0"/>
+              <a:t>Cordero, M.; Gavazut, E.; </a:t>
+            </a:r>
+            <a:r>
+              <a:rPr lang="en-US" dirty="0" err="1"/>
+              <a:t>Riera</a:t>
+            </a:r>
+            <a:r>
+              <a:rPr lang="en-US" dirty="0"/>
+              <a:t>, L                   Proyecto final de </a:t>
+            </a:r>
+            <a:r>
+              <a:rPr lang="en-US" dirty="0" err="1"/>
+              <a:t>Estadistica</a:t>
+            </a:r>
+            <a:r>
+              <a:rPr lang="en-US" dirty="0"/>
+              <a:t> para </a:t>
+            </a:r>
+            <a:r>
+              <a:rPr lang="en-US" dirty="0" err="1"/>
+              <a:t>Matemáticos</a:t>
+            </a:r>
+            <a:r>
+              <a:rPr lang="en-US" dirty="0"/>
+              <a:t>– CO3322                         </a:t>
+            </a:r>
+            <a:r>
+              <a:rPr lang="en-US" dirty="0" err="1"/>
+              <a:t>Profesor</a:t>
+            </a:r>
+            <a:r>
+              <a:rPr lang="en-US" dirty="0"/>
+              <a:t> Pedro </a:t>
+            </a:r>
+            <a:r>
+              <a:rPr lang="en-US" dirty="0" err="1"/>
+              <a:t>Ovalles</a:t>
+            </a:r>
+            <a:endParaRPr lang="en-US" dirty="0"/>
+          </a:p>
+        </p:txBody>
+      </p:sp>
+      <p:sp>
+        <p:nvSpPr>
+          <p:cNvPr id="6" name="Slide Number Placeholder 5"/>
+          <p:cNvSpPr>
+            <a:spLocks noGrp="1"/>
+          </p:cNvSpPr>
+          <p:nvPr>
+            <p:ph type="sldNum" sz="quarter" idx="12"/>
+          </p:nvPr>
+        </p:nvSpPr>
+        <p:spPr>
+          <a:xfrm>
+            <a:off x="8149213" y="4767263"/>
+            <a:ext cx="537586" cy="273844"/>
+          </a:xfrm>
+        </p:spPr>
+        <p:txBody>
+          <a:bodyPr/>
+          <a:lstStyle/>
+          <a:p>
+            <a:fld id="{C5EF2332-01BF-834F-8236-50238282D533}" type="slidenum">
+              <a:rPr lang="en-US" smtClean="0"/>
+              <a:t>‹Nº›</a:t>
+            </a:fld>
+            <a:endParaRPr lang="en-US" dirty="0"/>
+          </a:p>
+        </p:txBody>
+      </p:sp>
+    </p:spTree>
+    <p:extLst>
+      <p:ext uri="{BB962C8B-B14F-4D97-AF65-F5344CB8AC3E}">
+        <p14:creationId xmlns:p14="http://schemas.microsoft.com/office/powerpoint/2010/main" val="338346009"/>
+      </p:ext>
+    </p:extLst>
+  </p:cSld>
+  <p:clrMapOvr>
+    <a:masterClrMapping/>
+  </p:clrMapOvr>
+</p:sldLayout>
+</file>
+
+<file path=ppt/slideLayouts/slideLayout3.xml><?xml version="1.0" encoding="utf-8"?>
 <p:sldLayout xmlns:a="http://schemas.openxmlformats.org/drawingml/2006/main" xmlns:r="http://schemas.openxmlformats.org/officeDocument/2006/relationships" xmlns:p="http://schemas.openxmlformats.org/presentationml/2006/main" type="secHead" preserve="1">
   <p:cSld name="Section Header">
     <p:spTree>
@@ -1581,7 +1078,7 @@
           <a:bodyPr anchor="t"/>
           <a:lstStyle>
             <a:lvl1pPr algn="l">
-              <a:defRPr sz="4000" b="1" cap="all"/>
+              <a:defRPr sz="3000" b="1" cap="all"/>
             </a:lvl1pPr>
           </a:lstStyle>
           <a:p>
@@ -1613,7 +1110,7 @@
           <a:lstStyle>
             <a:lvl1pPr marL="0" indent="0">
               <a:buNone/>
-              <a:defRPr sz="2000">
+              <a:defRPr sz="1500">
                 <a:solidFill>
                   <a:schemeClr val="tx1">
                     <a:tint val="75000"/>
@@ -1621,9 +1118,9 @@
                 </a:solidFill>
               </a:defRPr>
             </a:lvl1pPr>
-            <a:lvl2pPr marL="457200" indent="0">
-              <a:buNone/>
-              <a:defRPr sz="1800">
+            <a:lvl2pPr marL="342900" indent="0">
+              <a:buNone/>
+              <a:defRPr sz="1350">
                 <a:solidFill>
                   <a:schemeClr val="tx1">
                     <a:tint val="75000"/>
@@ -1631,9 +1128,9 @@
                 </a:solidFill>
               </a:defRPr>
             </a:lvl2pPr>
-            <a:lvl3pPr marL="914400" indent="0">
-              <a:buNone/>
-              <a:defRPr sz="1600">
+            <a:lvl3pPr marL="685800" indent="0">
+              <a:buNone/>
+              <a:defRPr sz="1200">
                 <a:solidFill>
                   <a:schemeClr val="tx1">
                     <a:tint val="75000"/>
@@ -1641,9 +1138,9 @@
                 </a:solidFill>
               </a:defRPr>
             </a:lvl3pPr>
-            <a:lvl4pPr marL="1371600" indent="0">
-              <a:buNone/>
-              <a:defRPr sz="1400">
+            <a:lvl4pPr marL="1028700" indent="0">
+              <a:buNone/>
+              <a:defRPr sz="1050">
                 <a:solidFill>
                   <a:schemeClr val="tx1">
                     <a:tint val="75000"/>
@@ -1651,9 +1148,9 @@
                 </a:solidFill>
               </a:defRPr>
             </a:lvl4pPr>
-            <a:lvl5pPr marL="1828800" indent="0">
-              <a:buNone/>
-              <a:defRPr sz="1400">
+            <a:lvl5pPr marL="1371600" indent="0">
+              <a:buNone/>
+              <a:defRPr sz="1050">
                 <a:solidFill>
                   <a:schemeClr val="tx1">
                     <a:tint val="75000"/>
@@ -1661,9 +1158,9 @@
                 </a:solidFill>
               </a:defRPr>
             </a:lvl5pPr>
-            <a:lvl6pPr marL="2286000" indent="0">
-              <a:buNone/>
-              <a:defRPr sz="1400">
+            <a:lvl6pPr marL="1714500" indent="0">
+              <a:buNone/>
+              <a:defRPr sz="1050">
                 <a:solidFill>
                   <a:schemeClr val="tx1">
                     <a:tint val="75000"/>
@@ -1671,9 +1168,9 @@
                 </a:solidFill>
               </a:defRPr>
             </a:lvl6pPr>
-            <a:lvl7pPr marL="2743200" indent="0">
-              <a:buNone/>
-              <a:defRPr sz="1400">
+            <a:lvl7pPr marL="2057400" indent="0">
+              <a:buNone/>
+              <a:defRPr sz="1050">
                 <a:solidFill>
                   <a:schemeClr val="tx1">
                     <a:tint val="75000"/>
@@ -1681,9 +1178,9 @@
                 </a:solidFill>
               </a:defRPr>
             </a:lvl7pPr>
-            <a:lvl8pPr marL="3200400" indent="0">
-              <a:buNone/>
-              <a:defRPr sz="1400">
+            <a:lvl8pPr marL="2400300" indent="0">
+              <a:buNone/>
+              <a:defRPr sz="1050">
                 <a:solidFill>
                   <a:schemeClr val="tx1">
                     <a:tint val="75000"/>
@@ -1691,9 +1188,9 @@
                 </a:solidFill>
               </a:defRPr>
             </a:lvl8pPr>
-            <a:lvl9pPr marL="3657600" indent="0">
-              <a:buNone/>
-              <a:defRPr sz="1400">
+            <a:lvl9pPr marL="2743200" indent="0">
+              <a:buNone/>
+              <a:defRPr sz="1050">
                 <a:solidFill>
                   <a:schemeClr val="tx1">
                     <a:tint val="75000"/>
@@ -1726,10 +1223,9 @@
           <a:bodyPr/>
           <a:lstStyle/>
           <a:p>
-            <a:fld id="{53074F12-AA26-4AC8-9962-C36BB8F32554}" type="datetimeFigureOut">
+            <a:fld id="{96F0E929-E379-444B-A8C4-581578DCA25B}" type="datetime1">
               <a:rPr lang="en-US" smtClean="0"/>
-              <a:pPr/>
-              <a:t>4/10/2022</a:t>
+              <a:t>4/17/2022</a:t>
             </a:fld>
             <a:endParaRPr lang="en-US"/>
           </a:p>
@@ -1750,7 +1246,10 @@
           <a:bodyPr/>
           <a:lstStyle/>
           <a:p>
-            <a:endParaRPr lang="en-US"/>
+            <a:r>
+              <a:rPr lang="en-US"/>
+              <a:t>Cordero, M.; Gavazut, E.; Riera, L                   Proyecto final de Estadistica para Matemáticos– CO3322                         Profesor Pedro Ovalles</a:t>
+            </a:r>
           </a:p>
         </p:txBody>
       </p:sp>
@@ -1769,9 +1268,8 @@
           <a:bodyPr/>
           <a:lstStyle/>
           <a:p>
-            <a:fld id="{B82CCC60-E8CD-4174-8B1A-7DF615B22EEF}" type="slidenum">
+            <a:fld id="{C5EF2332-01BF-834F-8236-50238282D533}" type="slidenum">
               <a:rPr lang="en-US" smtClean="0"/>
-              <a:pPr/>
               <a:t>‹Nº›</a:t>
             </a:fld>
             <a:endParaRPr lang="en-US"/>
@@ -1781,7 +1279,7 @@
     </p:spTree>
     <p:extLst>
       <p:ext uri="{BB962C8B-B14F-4D97-AF65-F5344CB8AC3E}">
-        <p14:creationId xmlns:p14="http://schemas.microsoft.com/office/powerpoint/2010/main" val="3863441575"/>
+        <p14:creationId xmlns:p14="http://schemas.microsoft.com/office/powerpoint/2010/main" val="1073069076"/>
       </p:ext>
     </p:extLst>
   </p:cSld>
@@ -1791,7 +1289,7 @@
 </p:sldLayout>
 </file>
 
-<file path=ppt/slideLayouts/slideLayout5.xml><?xml version="1.0" encoding="utf-8"?>
+<file path=ppt/slideLayouts/slideLayout4.xml><?xml version="1.0" encoding="utf-8"?>
 <p:sldLayout xmlns:a="http://schemas.openxmlformats.org/drawingml/2006/main" xmlns:r="http://schemas.openxmlformats.org/officeDocument/2006/relationships" xmlns:p="http://schemas.openxmlformats.org/presentationml/2006/main" type="twoObj" preserve="1">
   <p:cSld name="Two Content">
     <p:spTree>
@@ -1850,31 +1348,31 @@
           <a:bodyPr/>
           <a:lstStyle>
             <a:lvl1pPr>
-              <a:defRPr sz="2800"/>
+              <a:defRPr sz="2100"/>
             </a:lvl1pPr>
             <a:lvl2pPr>
-              <a:defRPr sz="2400"/>
+              <a:defRPr sz="1800"/>
             </a:lvl2pPr>
             <a:lvl3pPr>
-              <a:defRPr sz="2000"/>
+              <a:defRPr sz="1500"/>
             </a:lvl3pPr>
             <a:lvl4pPr>
-              <a:defRPr sz="1800"/>
+              <a:defRPr sz="1350"/>
             </a:lvl4pPr>
             <a:lvl5pPr>
-              <a:defRPr sz="1800"/>
+              <a:defRPr sz="1350"/>
             </a:lvl5pPr>
             <a:lvl6pPr>
-              <a:defRPr sz="1800"/>
+              <a:defRPr sz="1350"/>
             </a:lvl6pPr>
             <a:lvl7pPr>
-              <a:defRPr sz="1800"/>
+              <a:defRPr sz="1350"/>
             </a:lvl7pPr>
             <a:lvl8pPr>
-              <a:defRPr sz="1800"/>
+              <a:defRPr sz="1350"/>
             </a:lvl8pPr>
             <a:lvl9pPr>
-              <a:defRPr sz="1800"/>
+              <a:defRPr sz="1350"/>
             </a:lvl9pPr>
           </a:lstStyle>
           <a:p>
@@ -1934,31 +1432,31 @@
           <a:bodyPr/>
           <a:lstStyle>
             <a:lvl1pPr>
-              <a:defRPr sz="2800"/>
+              <a:defRPr sz="2100"/>
             </a:lvl1pPr>
             <a:lvl2pPr>
-              <a:defRPr sz="2400"/>
+              <a:defRPr sz="1800"/>
             </a:lvl2pPr>
             <a:lvl3pPr>
-              <a:defRPr sz="2000"/>
+              <a:defRPr sz="1500"/>
             </a:lvl3pPr>
             <a:lvl4pPr>
-              <a:defRPr sz="1800"/>
+              <a:defRPr sz="1350"/>
             </a:lvl4pPr>
             <a:lvl5pPr>
-              <a:defRPr sz="1800"/>
+              <a:defRPr sz="1350"/>
             </a:lvl5pPr>
             <a:lvl6pPr>
-              <a:defRPr sz="1800"/>
+              <a:defRPr sz="1350"/>
             </a:lvl6pPr>
             <a:lvl7pPr>
-              <a:defRPr sz="1800"/>
+              <a:defRPr sz="1350"/>
             </a:lvl7pPr>
             <a:lvl8pPr>
-              <a:defRPr sz="1800"/>
+              <a:defRPr sz="1350"/>
             </a:lvl8pPr>
             <a:lvl9pPr>
-              <a:defRPr sz="1800"/>
+              <a:defRPr sz="1350"/>
             </a:lvl9pPr>
           </a:lstStyle>
           <a:p>
@@ -2013,10 +1511,9 @@
           <a:bodyPr/>
           <a:lstStyle/>
           <a:p>
-            <a:fld id="{53074F12-AA26-4AC8-9962-C36BB8F32554}" type="datetimeFigureOut">
+            <a:fld id="{5A2630CD-BBA8-405A-9EA7-62479018EB1E}" type="datetime1">
               <a:rPr lang="en-US" smtClean="0"/>
-              <a:pPr/>
-              <a:t>4/10/2022</a:t>
+              <a:t>4/17/2022</a:t>
             </a:fld>
             <a:endParaRPr lang="en-US"/>
           </a:p>
@@ -2037,7 +1534,10 @@
           <a:bodyPr/>
           <a:lstStyle/>
           <a:p>
-            <a:endParaRPr lang="en-US"/>
+            <a:r>
+              <a:rPr lang="en-US"/>
+              <a:t>Cordero, M.; Gavazut, E.; Riera, L                   Proyecto final de Estadistica para Matemáticos– CO3322                         Profesor Pedro Ovalles</a:t>
+            </a:r>
           </a:p>
         </p:txBody>
       </p:sp>
@@ -2056,9 +1556,8 @@
           <a:bodyPr/>
           <a:lstStyle/>
           <a:p>
-            <a:fld id="{B82CCC60-E8CD-4174-8B1A-7DF615B22EEF}" type="slidenum">
+            <a:fld id="{C5EF2332-01BF-834F-8236-50238282D533}" type="slidenum">
               <a:rPr lang="en-US" smtClean="0"/>
-              <a:pPr/>
               <a:t>‹Nº›</a:t>
             </a:fld>
             <a:endParaRPr lang="en-US"/>
@@ -2068,7 +1567,7 @@
     </p:spTree>
     <p:extLst>
       <p:ext uri="{BB962C8B-B14F-4D97-AF65-F5344CB8AC3E}">
-        <p14:creationId xmlns:p14="http://schemas.microsoft.com/office/powerpoint/2010/main" val="3556791830"/>
+        <p14:creationId xmlns:p14="http://schemas.microsoft.com/office/powerpoint/2010/main" val="2619886245"/>
       </p:ext>
     </p:extLst>
   </p:cSld>
@@ -2078,7 +1577,7 @@
 </p:sldLayout>
 </file>
 
-<file path=ppt/slideLayouts/slideLayout6.xml><?xml version="1.0" encoding="utf-8"?>
+<file path=ppt/slideLayouts/slideLayout5.xml><?xml version="1.0" encoding="utf-8"?>
 <p:sldLayout xmlns:a="http://schemas.openxmlformats.org/drawingml/2006/main" xmlns:r="http://schemas.openxmlformats.org/officeDocument/2006/relationships" xmlns:p="http://schemas.openxmlformats.org/presentationml/2006/main" type="twoTxTwoObj" preserve="1">
   <p:cSld name="Comparison">
     <p:spTree>
@@ -2105,104 +1604,82 @@
             <p:ph type="title"/>
           </p:nvPr>
         </p:nvSpPr>
+        <p:spPr/>
+        <p:txBody>
+          <a:bodyPr/>
+          <a:lstStyle>
+            <a:lvl1pPr>
+              <a:defRPr/>
+            </a:lvl1pPr>
+          </a:lstStyle>
+          <a:p>
+            <a:r>
+              <a:rPr lang="en-US"/>
+              <a:t>Click to edit Master title style</a:t>
+            </a:r>
+          </a:p>
+        </p:txBody>
+      </p:sp>
+      <p:sp>
+        <p:nvSpPr>
+          <p:cNvPr id="3" name="Text Placeholder 2"/>
+          <p:cNvSpPr>
+            <a:spLocks noGrp="1"/>
+          </p:cNvSpPr>
+          <p:nvPr>
+            <p:ph type="body" idx="1"/>
+          </p:nvPr>
+        </p:nvSpPr>
         <p:spPr>
           <a:xfrm>
-            <a:off x="448965" y="281175"/>
-            <a:ext cx="8246070" cy="763525"/>
-          </a:xfrm>
-        </p:spPr>
-        <p:txBody>
-          <a:bodyPr>
-            <a:normAutofit/>
-          </a:bodyPr>
-          <a:lstStyle>
-            <a:lvl1pPr algn="l">
-              <a:defRPr sz="3600" baseline="0">
-                <a:solidFill>
-                  <a:srgbClr val="FF5E1D"/>
-                </a:solidFill>
-                <a:effectLst>
-                  <a:outerShdw blurRad="50800" dist="38100" dir="2700000" algn="tl" rotWithShape="0">
-                    <a:prstClr val="black">
-                      <a:alpha val="40000"/>
-                    </a:prstClr>
-                  </a:outerShdw>
-                </a:effectLst>
-              </a:defRPr>
-            </a:lvl1pPr>
-          </a:lstStyle>
-          <a:p>
-            <a:r>
-              <a:rPr lang="en-US" dirty="0"/>
-              <a:t>Click to edit Master title style</a:t>
-            </a:r>
-          </a:p>
-        </p:txBody>
-      </p:sp>
-      <p:sp>
-        <p:nvSpPr>
-          <p:cNvPr id="3" name="Text Placeholder 2"/>
-          <p:cNvSpPr>
-            <a:spLocks noGrp="1"/>
-          </p:cNvSpPr>
-          <p:nvPr>
-            <p:ph type="body" idx="1"/>
-          </p:nvPr>
-        </p:nvSpPr>
-        <p:spPr>
-          <a:xfrm>
-            <a:off x="536879" y="1655520"/>
+            <a:off x="457200" y="1151335"/>
             <a:ext cx="4040188" cy="479822"/>
           </a:xfrm>
         </p:spPr>
         <p:txBody>
           <a:bodyPr anchor="b"/>
           <a:lstStyle>
-            <a:lvl1pPr marL="0" indent="0" algn="ctr">
-              <a:buNone/>
-              <a:defRPr sz="2400" b="1">
-                <a:solidFill>
-                  <a:schemeClr val="tx1"/>
-                </a:solidFill>
-              </a:defRPr>
+            <a:lvl1pPr marL="0" indent="0">
+              <a:buNone/>
+              <a:defRPr sz="1800" b="1"/>
             </a:lvl1pPr>
-            <a:lvl2pPr marL="457200" indent="0">
-              <a:buNone/>
-              <a:defRPr sz="2000" b="1"/>
+            <a:lvl2pPr marL="342900" indent="0">
+              <a:buNone/>
+              <a:defRPr sz="1500" b="1"/>
             </a:lvl2pPr>
-            <a:lvl3pPr marL="914400" indent="0">
-              <a:buNone/>
-              <a:defRPr sz="1800" b="1"/>
+            <a:lvl3pPr marL="685800" indent="0">
+              <a:buNone/>
+              <a:defRPr sz="1350" b="1"/>
             </a:lvl3pPr>
-            <a:lvl4pPr marL="1371600" indent="0">
-              <a:buNone/>
-              <a:defRPr sz="1600" b="1"/>
+            <a:lvl4pPr marL="1028700" indent="0">
+              <a:buNone/>
+              <a:defRPr sz="1200" b="1"/>
             </a:lvl4pPr>
-            <a:lvl5pPr marL="1828800" indent="0">
-              <a:buNone/>
-              <a:defRPr sz="1600" b="1"/>
+            <a:lvl5pPr marL="1371600" indent="0">
+              <a:buNone/>
+              <a:defRPr sz="1200" b="1"/>
             </a:lvl5pPr>
-            <a:lvl6pPr marL="2286000" indent="0">
-              <a:buNone/>
-              <a:defRPr sz="1600" b="1"/>
+            <a:lvl6pPr marL="1714500" indent="0">
+              <a:buNone/>
+              <a:defRPr sz="1200" b="1"/>
             </a:lvl6pPr>
-            <a:lvl7pPr marL="2743200" indent="0">
-              <a:buNone/>
-              <a:defRPr sz="1600" b="1"/>
+            <a:lvl7pPr marL="2057400" indent="0">
+              <a:buNone/>
+              <a:defRPr sz="1200" b="1"/>
             </a:lvl7pPr>
-            <a:lvl8pPr marL="3200400" indent="0">
-              <a:buNone/>
-              <a:defRPr sz="1600" b="1"/>
+            <a:lvl8pPr marL="2400300" indent="0">
+              <a:buNone/>
+              <a:defRPr sz="1200" b="1"/>
             </a:lvl8pPr>
-            <a:lvl9pPr marL="3657600" indent="0">
-              <a:buNone/>
-              <a:defRPr sz="1600" b="1"/>
+            <a:lvl9pPr marL="2743200" indent="0">
+              <a:buNone/>
+              <a:defRPr sz="1200" b="1"/>
             </a:lvl9pPr>
           </a:lstStyle>
           <a:p>
             <a:pPr lvl="0"/>
             <a:r>
-              <a:rPr lang="en-US" dirty="0"/>
+              <a:rPr lang="en-US"/>
               <a:t>Click to edit Master text styles</a:t>
             </a:r>
           </a:p>
@@ -2220,93 +1697,73 @@
         </p:nvSpPr>
         <p:spPr>
           <a:xfrm>
-            <a:off x="536879" y="2135341"/>
-            <a:ext cx="4040188" cy="2137871"/>
+            <a:off x="457200" y="1631156"/>
+            <a:ext cx="4040188" cy="2963466"/>
           </a:xfrm>
         </p:spPr>
         <p:txBody>
           <a:bodyPr/>
           <a:lstStyle>
-            <a:lvl1pPr algn="ctr">
-              <a:defRPr sz="2400">
-                <a:solidFill>
-                  <a:schemeClr val="tx1"/>
-                </a:solidFill>
-              </a:defRPr>
+            <a:lvl1pPr>
+              <a:defRPr sz="1800"/>
             </a:lvl1pPr>
-            <a:lvl2pPr algn="ctr">
-              <a:defRPr sz="2000">
-                <a:solidFill>
-                  <a:schemeClr val="tx1"/>
-                </a:solidFill>
-              </a:defRPr>
+            <a:lvl2pPr>
+              <a:defRPr sz="1500"/>
             </a:lvl2pPr>
-            <a:lvl3pPr algn="ctr">
-              <a:defRPr sz="1800">
-                <a:solidFill>
-                  <a:schemeClr val="tx1"/>
-                </a:solidFill>
-              </a:defRPr>
+            <a:lvl3pPr>
+              <a:defRPr sz="1350"/>
             </a:lvl3pPr>
-            <a:lvl4pPr algn="ctr">
-              <a:defRPr sz="1600">
-                <a:solidFill>
-                  <a:schemeClr val="tx1"/>
-                </a:solidFill>
-              </a:defRPr>
+            <a:lvl4pPr>
+              <a:defRPr sz="1200"/>
             </a:lvl4pPr>
-            <a:lvl5pPr algn="ctr">
-              <a:defRPr sz="1600">
-                <a:solidFill>
-                  <a:schemeClr val="tx1"/>
-                </a:solidFill>
-              </a:defRPr>
+            <a:lvl5pPr>
+              <a:defRPr sz="1200"/>
             </a:lvl5pPr>
             <a:lvl6pPr>
-              <a:defRPr sz="1600"/>
+              <a:defRPr sz="1200"/>
             </a:lvl6pPr>
             <a:lvl7pPr>
-              <a:defRPr sz="1600"/>
+              <a:defRPr sz="1200"/>
             </a:lvl7pPr>
             <a:lvl8pPr>
-              <a:defRPr sz="1600"/>
+              <a:defRPr sz="1200"/>
             </a:lvl8pPr>
             <a:lvl9pPr>
-              <a:defRPr sz="1600"/>
+              <a:defRPr sz="1200"/>
             </a:lvl9pPr>
           </a:lstStyle>
           <a:p>
             <a:pPr lvl="0"/>
             <a:r>
-              <a:rPr lang="en-US" dirty="0"/>
+              <a:rPr lang="en-US"/>
               <a:t>Click to edit Master text styles</a:t>
             </a:r>
           </a:p>
           <a:p>
             <a:pPr lvl="1"/>
             <a:r>
-              <a:rPr lang="en-US" dirty="0"/>
+              <a:rPr lang="en-US"/>
               <a:t>Second level</a:t>
             </a:r>
           </a:p>
           <a:p>
             <a:pPr lvl="2"/>
             <a:r>
-              <a:rPr lang="en-US" dirty="0"/>
+              <a:rPr lang="en-US"/>
               <a:t>Third level</a:t>
             </a:r>
           </a:p>
           <a:p>
             <a:pPr lvl="3"/>
             <a:r>
-              <a:rPr lang="en-US" dirty="0"/>
+              <a:rPr lang="en-US"/>
               <a:t>Fourth level</a:t>
             </a:r>
           </a:p>
           <a:p>
             <a:pPr lvl="4"/>
             <a:r>
-              <a:rPr lang="en-US" dirty="0"/>
+              <a:rPr lang="en-US"/>
               <a:t>Fifth level</a:t>
             </a:r>
           </a:p>
@@ -2324,58 +1781,54 @@
         </p:nvSpPr>
         <p:spPr>
           <a:xfrm>
-            <a:off x="4572000" y="1655520"/>
+            <a:off x="4645026" y="1151335"/>
             <a:ext cx="4041775" cy="479822"/>
           </a:xfrm>
         </p:spPr>
         <p:txBody>
           <a:bodyPr anchor="b"/>
           <a:lstStyle>
-            <a:lvl1pPr marL="0" indent="0" algn="ctr">
-              <a:buNone/>
-              <a:defRPr sz="2400" b="1">
-                <a:solidFill>
-                  <a:schemeClr val="tx1"/>
-                </a:solidFill>
-              </a:defRPr>
+            <a:lvl1pPr marL="0" indent="0">
+              <a:buNone/>
+              <a:defRPr sz="1800" b="1"/>
             </a:lvl1pPr>
-            <a:lvl2pPr marL="457200" indent="0">
-              <a:buNone/>
-              <a:defRPr sz="2000" b="1"/>
+            <a:lvl2pPr marL="342900" indent="0">
+              <a:buNone/>
+              <a:defRPr sz="1500" b="1"/>
             </a:lvl2pPr>
-            <a:lvl3pPr marL="914400" indent="0">
-              <a:buNone/>
-              <a:defRPr sz="1800" b="1"/>
+            <a:lvl3pPr marL="685800" indent="0">
+              <a:buNone/>
+              <a:defRPr sz="1350" b="1"/>
             </a:lvl3pPr>
-            <a:lvl4pPr marL="1371600" indent="0">
-              <a:buNone/>
-              <a:defRPr sz="1600" b="1"/>
+            <a:lvl4pPr marL="1028700" indent="0">
+              <a:buNone/>
+              <a:defRPr sz="1200" b="1"/>
             </a:lvl4pPr>
-            <a:lvl5pPr marL="1828800" indent="0">
-              <a:buNone/>
-              <a:defRPr sz="1600" b="1"/>
+            <a:lvl5pPr marL="1371600" indent="0">
+              <a:buNone/>
+              <a:defRPr sz="1200" b="1"/>
             </a:lvl5pPr>
-            <a:lvl6pPr marL="2286000" indent="0">
-              <a:buNone/>
-              <a:defRPr sz="1600" b="1"/>
+            <a:lvl6pPr marL="1714500" indent="0">
+              <a:buNone/>
+              <a:defRPr sz="1200" b="1"/>
             </a:lvl6pPr>
-            <a:lvl7pPr marL="2743200" indent="0">
-              <a:buNone/>
-              <a:defRPr sz="1600" b="1"/>
+            <a:lvl7pPr marL="2057400" indent="0">
+              <a:buNone/>
+              <a:defRPr sz="1200" b="1"/>
             </a:lvl7pPr>
-            <a:lvl8pPr marL="3200400" indent="0">
-              <a:buNone/>
-              <a:defRPr sz="1600" b="1"/>
+            <a:lvl8pPr marL="2400300" indent="0">
+              <a:buNone/>
+              <a:defRPr sz="1200" b="1"/>
             </a:lvl8pPr>
-            <a:lvl9pPr marL="3657600" indent="0">
-              <a:buNone/>
-              <a:defRPr sz="1600" b="1"/>
+            <a:lvl9pPr marL="2743200" indent="0">
+              <a:buNone/>
+              <a:defRPr sz="1200" b="1"/>
             </a:lvl9pPr>
           </a:lstStyle>
           <a:p>
             <a:pPr lvl="0"/>
             <a:r>
-              <a:rPr lang="en-US" dirty="0"/>
+              <a:rPr lang="en-US"/>
               <a:t>Click to edit Master text styles</a:t>
             </a:r>
           </a:p>
@@ -2393,93 +1846,73 @@
         </p:nvSpPr>
         <p:spPr>
           <a:xfrm>
-            <a:off x="4572000" y="2135341"/>
-            <a:ext cx="4041775" cy="2137871"/>
+            <a:off x="4645026" y="1631156"/>
+            <a:ext cx="4041775" cy="2963466"/>
           </a:xfrm>
         </p:spPr>
         <p:txBody>
           <a:bodyPr/>
           <a:lstStyle>
-            <a:lvl1pPr algn="ctr">
-              <a:defRPr sz="2400">
-                <a:solidFill>
-                  <a:schemeClr val="tx1"/>
-                </a:solidFill>
-              </a:defRPr>
+            <a:lvl1pPr>
+              <a:defRPr sz="1800"/>
             </a:lvl1pPr>
-            <a:lvl2pPr algn="ctr">
-              <a:defRPr sz="2000">
-                <a:solidFill>
-                  <a:schemeClr val="tx1"/>
-                </a:solidFill>
-              </a:defRPr>
+            <a:lvl2pPr>
+              <a:defRPr sz="1500"/>
             </a:lvl2pPr>
-            <a:lvl3pPr algn="ctr">
-              <a:defRPr sz="1800">
-                <a:solidFill>
-                  <a:schemeClr val="tx1"/>
-                </a:solidFill>
-              </a:defRPr>
+            <a:lvl3pPr>
+              <a:defRPr sz="1350"/>
             </a:lvl3pPr>
-            <a:lvl4pPr algn="ctr">
-              <a:defRPr sz="1600">
-                <a:solidFill>
-                  <a:schemeClr val="tx1"/>
-                </a:solidFill>
-              </a:defRPr>
+            <a:lvl4pPr>
+              <a:defRPr sz="1200"/>
             </a:lvl4pPr>
-            <a:lvl5pPr algn="ctr">
-              <a:defRPr sz="1600">
-                <a:solidFill>
-                  <a:schemeClr val="tx1"/>
-                </a:solidFill>
-              </a:defRPr>
+            <a:lvl5pPr>
+              <a:defRPr sz="1200"/>
             </a:lvl5pPr>
             <a:lvl6pPr>
-              <a:defRPr sz="1600"/>
+              <a:defRPr sz="1200"/>
             </a:lvl6pPr>
             <a:lvl7pPr>
-              <a:defRPr sz="1600"/>
+              <a:defRPr sz="1200"/>
             </a:lvl7pPr>
             <a:lvl8pPr>
-              <a:defRPr sz="1600"/>
+              <a:defRPr sz="1200"/>
             </a:lvl8pPr>
             <a:lvl9pPr>
-              <a:defRPr sz="1600"/>
+              <a:defRPr sz="1200"/>
             </a:lvl9pPr>
           </a:lstStyle>
           <a:p>
             <a:pPr lvl="0"/>
             <a:r>
-              <a:rPr lang="en-US" dirty="0"/>
+              <a:rPr lang="en-US"/>
               <a:t>Click to edit Master text styles</a:t>
             </a:r>
           </a:p>
           <a:p>
             <a:pPr lvl="1"/>
             <a:r>
-              <a:rPr lang="en-US" dirty="0"/>
+              <a:rPr lang="en-US"/>
               <a:t>Second level</a:t>
             </a:r>
           </a:p>
           <a:p>
             <a:pPr lvl="2"/>
             <a:r>
-              <a:rPr lang="en-US" dirty="0"/>
+              <a:rPr lang="en-US"/>
               <a:t>Third level</a:t>
             </a:r>
           </a:p>
           <a:p>
             <a:pPr lvl="3"/>
             <a:r>
-              <a:rPr lang="en-US" dirty="0"/>
+              <a:rPr lang="en-US"/>
               <a:t>Fourth level</a:t>
             </a:r>
           </a:p>
           <a:p>
             <a:pPr lvl="4"/>
             <a:r>
-              <a:rPr lang="en-US" dirty="0"/>
+              <a:rPr lang="en-US"/>
               <a:t>Fifth level</a:t>
             </a:r>
           </a:p>
@@ -2500,10 +1933,9 @@
           <a:bodyPr/>
           <a:lstStyle/>
           <a:p>
-            <a:fld id="{53074F12-AA26-4AC8-9962-C36BB8F32554}" type="datetimeFigureOut">
+            <a:fld id="{E7DA4760-D5AC-4659-881F-3E2B18D307F9}" type="datetime1">
               <a:rPr lang="en-US" smtClean="0"/>
-              <a:pPr/>
-              <a:t>4/10/2022</a:t>
+              <a:t>4/17/2022</a:t>
             </a:fld>
             <a:endParaRPr lang="en-US"/>
           </a:p>
@@ -2524,7 +1956,10 @@
           <a:bodyPr/>
           <a:lstStyle/>
           <a:p>
-            <a:endParaRPr lang="en-US"/>
+            <a:r>
+              <a:rPr lang="en-US"/>
+              <a:t>Cordero, M.; Gavazut, E.; Riera, L                   Proyecto final de Estadistica para Matemáticos– CO3322                         Profesor Pedro Ovalles</a:t>
+            </a:r>
           </a:p>
         </p:txBody>
       </p:sp>
@@ -2543,9 +1978,8 @@
           <a:bodyPr/>
           <a:lstStyle/>
           <a:p>
-            <a:fld id="{B82CCC60-E8CD-4174-8B1A-7DF615B22EEF}" type="slidenum">
+            <a:fld id="{C5EF2332-01BF-834F-8236-50238282D533}" type="slidenum">
               <a:rPr lang="en-US" smtClean="0"/>
-              <a:pPr/>
               <a:t>‹Nº›</a:t>
             </a:fld>
             <a:endParaRPr lang="en-US"/>
@@ -2555,7 +1989,7 @@
     </p:spTree>
     <p:extLst>
       <p:ext uri="{BB962C8B-B14F-4D97-AF65-F5344CB8AC3E}">
-        <p14:creationId xmlns:p14="http://schemas.microsoft.com/office/powerpoint/2010/main" val="4122911988"/>
+        <p14:creationId xmlns:p14="http://schemas.microsoft.com/office/powerpoint/2010/main" val="2535793967"/>
       </p:ext>
     </p:extLst>
   </p:cSld>
@@ -2565,7 +1999,7 @@
 </p:sldLayout>
 </file>
 
-<file path=ppt/slideLayouts/slideLayout7.xml><?xml version="1.0" encoding="utf-8"?>
+<file path=ppt/slideLayouts/slideLayout6.xml><?xml version="1.0" encoding="utf-8"?>
 <p:sldLayout xmlns:a="http://schemas.openxmlformats.org/drawingml/2006/main" xmlns:r="http://schemas.openxmlformats.org/officeDocument/2006/relationships" xmlns:p="http://schemas.openxmlformats.org/presentationml/2006/main" type="titleOnly" preserve="1">
   <p:cSld name="Title Only">
     <p:spTree>
@@ -2619,10 +2053,9 @@
           <a:bodyPr/>
           <a:lstStyle/>
           <a:p>
-            <a:fld id="{53074F12-AA26-4AC8-9962-C36BB8F32554}" type="datetimeFigureOut">
+            <a:fld id="{22FBBC09-0E92-4E07-A72F-D0FB150CC434}" type="datetime1">
               <a:rPr lang="en-US" smtClean="0"/>
-              <a:pPr/>
-              <a:t>4/10/2022</a:t>
+              <a:t>4/17/2022</a:t>
             </a:fld>
             <a:endParaRPr lang="en-US"/>
           </a:p>
@@ -2643,7 +2076,10 @@
           <a:bodyPr/>
           <a:lstStyle/>
           <a:p>
-            <a:endParaRPr lang="en-US"/>
+            <a:r>
+              <a:rPr lang="en-US"/>
+              <a:t>Cordero, M.; Gavazut, E.; Riera, L                   Proyecto final de Estadistica para Matemáticos– CO3322                         Profesor Pedro Ovalles</a:t>
+            </a:r>
           </a:p>
         </p:txBody>
       </p:sp>
@@ -2662,9 +2098,8 @@
           <a:bodyPr/>
           <a:lstStyle/>
           <a:p>
-            <a:fld id="{B82CCC60-E8CD-4174-8B1A-7DF615B22EEF}" type="slidenum">
+            <a:fld id="{C5EF2332-01BF-834F-8236-50238282D533}" type="slidenum">
               <a:rPr lang="en-US" smtClean="0"/>
-              <a:pPr/>
               <a:t>‹Nº›</a:t>
             </a:fld>
             <a:endParaRPr lang="en-US"/>
@@ -2674,7 +2109,7 @@
     </p:spTree>
     <p:extLst>
       <p:ext uri="{BB962C8B-B14F-4D97-AF65-F5344CB8AC3E}">
-        <p14:creationId xmlns:p14="http://schemas.microsoft.com/office/powerpoint/2010/main" val="3029773110"/>
+        <p14:creationId xmlns:p14="http://schemas.microsoft.com/office/powerpoint/2010/main" val="3472721253"/>
       </p:ext>
     </p:extLst>
   </p:cSld>
@@ -2684,7 +2119,7 @@
 </p:sldLayout>
 </file>
 
-<file path=ppt/slideLayouts/slideLayout8.xml><?xml version="1.0" encoding="utf-8"?>
+<file path=ppt/slideLayouts/slideLayout7.xml><?xml version="1.0" encoding="utf-8"?>
 <p:sldLayout xmlns:a="http://schemas.openxmlformats.org/drawingml/2006/main" xmlns:r="http://schemas.openxmlformats.org/officeDocument/2006/relationships" xmlns:p="http://schemas.openxmlformats.org/presentationml/2006/main" type="blank" preserve="1">
   <p:cSld name="Blank">
     <p:spTree>
@@ -2716,10 +2151,9 @@
           <a:bodyPr/>
           <a:lstStyle/>
           <a:p>
-            <a:fld id="{53074F12-AA26-4AC8-9962-C36BB8F32554}" type="datetimeFigureOut">
+            <a:fld id="{452E890D-D116-418F-AAC7-1AEC99771F13}" type="datetime1">
               <a:rPr lang="en-US" smtClean="0"/>
-              <a:pPr/>
-              <a:t>4/10/2022</a:t>
+              <a:t>4/17/2022</a:t>
             </a:fld>
             <a:endParaRPr lang="en-US"/>
           </a:p>
@@ -2740,7 +2174,10 @@
           <a:bodyPr/>
           <a:lstStyle/>
           <a:p>
-            <a:endParaRPr lang="en-US"/>
+            <a:r>
+              <a:rPr lang="en-US"/>
+              <a:t>Cordero, M.; Gavazut, E.; Riera, L                   Proyecto final de Estadistica para Matemáticos– CO3322                         Profesor Pedro Ovalles</a:t>
+            </a:r>
           </a:p>
         </p:txBody>
       </p:sp>
@@ -2759,9 +2196,8 @@
           <a:bodyPr/>
           <a:lstStyle/>
           <a:p>
-            <a:fld id="{B82CCC60-E8CD-4174-8B1A-7DF615B22EEF}" type="slidenum">
+            <a:fld id="{C5EF2332-01BF-834F-8236-50238282D533}" type="slidenum">
               <a:rPr lang="en-US" smtClean="0"/>
-              <a:pPr/>
               <a:t>‹Nº›</a:t>
             </a:fld>
             <a:endParaRPr lang="en-US"/>
@@ -2771,7 +2207,7 @@
     </p:spTree>
     <p:extLst>
       <p:ext uri="{BB962C8B-B14F-4D97-AF65-F5344CB8AC3E}">
-        <p14:creationId xmlns:p14="http://schemas.microsoft.com/office/powerpoint/2010/main" val="4251864075"/>
+        <p14:creationId xmlns:p14="http://schemas.microsoft.com/office/powerpoint/2010/main" val="2130901097"/>
       </p:ext>
     </p:extLst>
   </p:cSld>
@@ -2781,7 +2217,7 @@
 </p:sldLayout>
 </file>
 
-<file path=ppt/slideLayouts/slideLayout9.xml><?xml version="1.0" encoding="utf-8"?>
+<file path=ppt/slideLayouts/slideLayout8.xml><?xml version="1.0" encoding="utf-8"?>
 <p:sldLayout xmlns:a="http://schemas.openxmlformats.org/drawingml/2006/main" xmlns:r="http://schemas.openxmlformats.org/officeDocument/2006/relationships" xmlns:p="http://schemas.openxmlformats.org/presentationml/2006/main" type="objTx" preserve="1">
   <p:cSld name="Content with Caption">
     <p:spTree>
@@ -2818,7 +2254,7 @@
           <a:bodyPr anchor="b"/>
           <a:lstStyle>
             <a:lvl1pPr algn="l">
-              <a:defRPr sz="2000" b="1"/>
+              <a:defRPr sz="1500" b="1"/>
             </a:lvl1pPr>
           </a:lstStyle>
           <a:p>
@@ -2849,31 +2285,31 @@
           <a:bodyPr/>
           <a:lstStyle>
             <a:lvl1pPr>
-              <a:defRPr sz="3200"/>
+              <a:defRPr sz="2400"/>
             </a:lvl1pPr>
             <a:lvl2pPr>
-              <a:defRPr sz="2800"/>
+              <a:defRPr sz="2100"/>
             </a:lvl2pPr>
             <a:lvl3pPr>
-              <a:defRPr sz="2400"/>
+              <a:defRPr sz="1800"/>
             </a:lvl3pPr>
             <a:lvl4pPr>
-              <a:defRPr sz="2000"/>
+              <a:defRPr sz="1500"/>
             </a:lvl4pPr>
             <a:lvl5pPr>
-              <a:defRPr sz="2000"/>
+              <a:defRPr sz="1500"/>
             </a:lvl5pPr>
             <a:lvl6pPr>
-              <a:defRPr sz="2000"/>
+              <a:defRPr sz="1500"/>
             </a:lvl6pPr>
             <a:lvl7pPr>
-              <a:defRPr sz="2000"/>
+              <a:defRPr sz="1500"/>
             </a:lvl7pPr>
             <a:lvl8pPr>
-              <a:defRPr sz="2000"/>
+              <a:defRPr sz="1500"/>
             </a:lvl8pPr>
             <a:lvl9pPr>
-              <a:defRPr sz="2000"/>
+              <a:defRPr sz="1500"/>
             </a:lvl9pPr>
           </a:lstStyle>
           <a:p>
@@ -2934,39 +2370,39 @@
           <a:lstStyle>
             <a:lvl1pPr marL="0" indent="0">
               <a:buNone/>
-              <a:defRPr sz="1400"/>
+              <a:defRPr sz="1050"/>
             </a:lvl1pPr>
-            <a:lvl2pPr marL="457200" indent="0">
-              <a:buNone/>
-              <a:defRPr sz="1200"/>
+            <a:lvl2pPr marL="342900" indent="0">
+              <a:buNone/>
+              <a:defRPr sz="900"/>
             </a:lvl2pPr>
-            <a:lvl3pPr marL="914400" indent="0">
-              <a:buNone/>
-              <a:defRPr sz="1000"/>
+            <a:lvl3pPr marL="685800" indent="0">
+              <a:buNone/>
+              <a:defRPr sz="750"/>
             </a:lvl3pPr>
-            <a:lvl4pPr marL="1371600" indent="0">
-              <a:buNone/>
-              <a:defRPr sz="900"/>
+            <a:lvl4pPr marL="1028700" indent="0">
+              <a:buNone/>
+              <a:defRPr sz="675"/>
             </a:lvl4pPr>
-            <a:lvl5pPr marL="1828800" indent="0">
-              <a:buNone/>
-              <a:defRPr sz="900"/>
+            <a:lvl5pPr marL="1371600" indent="0">
+              <a:buNone/>
+              <a:defRPr sz="675"/>
             </a:lvl5pPr>
-            <a:lvl6pPr marL="2286000" indent="0">
-              <a:buNone/>
-              <a:defRPr sz="900"/>
+            <a:lvl6pPr marL="1714500" indent="0">
+              <a:buNone/>
+              <a:defRPr sz="675"/>
             </a:lvl6pPr>
-            <a:lvl7pPr marL="2743200" indent="0">
-              <a:buNone/>
-              <a:defRPr sz="900"/>
+            <a:lvl7pPr marL="2057400" indent="0">
+              <a:buNone/>
+              <a:defRPr sz="675"/>
             </a:lvl7pPr>
-            <a:lvl8pPr marL="3200400" indent="0">
-              <a:buNone/>
-              <a:defRPr sz="900"/>
+            <a:lvl8pPr marL="2400300" indent="0">
+              <a:buNone/>
+              <a:defRPr sz="675"/>
             </a:lvl8pPr>
-            <a:lvl9pPr marL="3657600" indent="0">
-              <a:buNone/>
-              <a:defRPr sz="900"/>
+            <a:lvl9pPr marL="2743200" indent="0">
+              <a:buNone/>
+              <a:defRPr sz="675"/>
             </a:lvl9pPr>
           </a:lstStyle>
           <a:p>
@@ -2993,10 +2429,9 @@
           <a:bodyPr/>
           <a:lstStyle/>
           <a:p>
-            <a:fld id="{53074F12-AA26-4AC8-9962-C36BB8F32554}" type="datetimeFigureOut">
+            <a:fld id="{C185AE62-417D-46D6-923F-A06B060B7681}" type="datetime1">
               <a:rPr lang="en-US" smtClean="0"/>
-              <a:pPr/>
-              <a:t>4/10/2022</a:t>
+              <a:t>4/17/2022</a:t>
             </a:fld>
             <a:endParaRPr lang="en-US"/>
           </a:p>
@@ -3017,7 +2452,10 @@
           <a:bodyPr/>
           <a:lstStyle/>
           <a:p>
-            <a:endParaRPr lang="en-US"/>
+            <a:r>
+              <a:rPr lang="en-US"/>
+              <a:t>Cordero, M.; Gavazut, E.; Riera, L                   Proyecto final de Estadistica para Matemáticos– CO3322                         Profesor Pedro Ovalles</a:t>
+            </a:r>
           </a:p>
         </p:txBody>
       </p:sp>
@@ -3036,9 +2474,8 @@
           <a:bodyPr/>
           <a:lstStyle/>
           <a:p>
-            <a:fld id="{B82CCC60-E8CD-4174-8B1A-7DF615B22EEF}" type="slidenum">
+            <a:fld id="{C5EF2332-01BF-834F-8236-50238282D533}" type="slidenum">
               <a:rPr lang="en-US" smtClean="0"/>
-              <a:pPr/>
               <a:t>‹Nº›</a:t>
             </a:fld>
             <a:endParaRPr lang="en-US"/>
@@ -3048,7 +2485,262 @@
     </p:spTree>
     <p:extLst>
       <p:ext uri="{BB962C8B-B14F-4D97-AF65-F5344CB8AC3E}">
-        <p14:creationId xmlns:p14="http://schemas.microsoft.com/office/powerpoint/2010/main" val="3174452648"/>
+        <p14:creationId xmlns:p14="http://schemas.microsoft.com/office/powerpoint/2010/main" val="3540895647"/>
+      </p:ext>
+    </p:extLst>
+  </p:cSld>
+  <p:clrMapOvr>
+    <a:masterClrMapping/>
+  </p:clrMapOvr>
+</p:sldLayout>
+</file>
+
+<file path=ppt/slideLayouts/slideLayout9.xml><?xml version="1.0" encoding="utf-8"?>
+<p:sldLayout xmlns:a="http://schemas.openxmlformats.org/drawingml/2006/main" xmlns:r="http://schemas.openxmlformats.org/officeDocument/2006/relationships" xmlns:p="http://schemas.openxmlformats.org/presentationml/2006/main" type="picTx" preserve="1">
+  <p:cSld name="Picture with Caption">
+    <p:spTree>
+      <p:nvGrpSpPr>
+        <p:cNvPr id="1" name=""/>
+        <p:cNvGrpSpPr/>
+        <p:nvPr/>
+      </p:nvGrpSpPr>
+      <p:grpSpPr>
+        <a:xfrm>
+          <a:off x="0" y="0"/>
+          <a:ext cx="0" cy="0"/>
+          <a:chOff x="0" y="0"/>
+          <a:chExt cx="0" cy="0"/>
+        </a:xfrm>
+      </p:grpSpPr>
+      <p:sp>
+        <p:nvSpPr>
+          <p:cNvPr id="2" name="Title 1"/>
+          <p:cNvSpPr>
+            <a:spLocks noGrp="1"/>
+          </p:cNvSpPr>
+          <p:nvPr>
+            <p:ph type="title"/>
+          </p:nvPr>
+        </p:nvSpPr>
+        <p:spPr>
+          <a:xfrm>
+            <a:off x="1792288" y="3600450"/>
+            <a:ext cx="5486400" cy="425054"/>
+          </a:xfrm>
+        </p:spPr>
+        <p:txBody>
+          <a:bodyPr anchor="b"/>
+          <a:lstStyle>
+            <a:lvl1pPr algn="l">
+              <a:defRPr sz="1500" b="1"/>
+            </a:lvl1pPr>
+          </a:lstStyle>
+          <a:p>
+            <a:r>
+              <a:rPr lang="en-US"/>
+              <a:t>Click to edit Master title style</a:t>
+            </a:r>
+          </a:p>
+        </p:txBody>
+      </p:sp>
+      <p:sp>
+        <p:nvSpPr>
+          <p:cNvPr id="3" name="Picture Placeholder 2"/>
+          <p:cNvSpPr>
+            <a:spLocks noGrp="1"/>
+          </p:cNvSpPr>
+          <p:nvPr>
+            <p:ph type="pic" idx="1"/>
+          </p:nvPr>
+        </p:nvSpPr>
+        <p:spPr>
+          <a:xfrm>
+            <a:off x="1792288" y="459581"/>
+            <a:ext cx="5486400" cy="3086100"/>
+          </a:xfrm>
+        </p:spPr>
+        <p:txBody>
+          <a:bodyPr/>
+          <a:lstStyle>
+            <a:lvl1pPr marL="0" indent="0">
+              <a:buNone/>
+              <a:defRPr sz="2400"/>
+            </a:lvl1pPr>
+            <a:lvl2pPr marL="342900" indent="0">
+              <a:buNone/>
+              <a:defRPr sz="2100"/>
+            </a:lvl2pPr>
+            <a:lvl3pPr marL="685800" indent="0">
+              <a:buNone/>
+              <a:defRPr sz="1800"/>
+            </a:lvl3pPr>
+            <a:lvl4pPr marL="1028700" indent="0">
+              <a:buNone/>
+              <a:defRPr sz="1500"/>
+            </a:lvl4pPr>
+            <a:lvl5pPr marL="1371600" indent="0">
+              <a:buNone/>
+              <a:defRPr sz="1500"/>
+            </a:lvl5pPr>
+            <a:lvl6pPr marL="1714500" indent="0">
+              <a:buNone/>
+              <a:defRPr sz="1500"/>
+            </a:lvl6pPr>
+            <a:lvl7pPr marL="2057400" indent="0">
+              <a:buNone/>
+              <a:defRPr sz="1500"/>
+            </a:lvl7pPr>
+            <a:lvl8pPr marL="2400300" indent="0">
+              <a:buNone/>
+              <a:defRPr sz="1500"/>
+            </a:lvl8pPr>
+            <a:lvl9pPr marL="2743200" indent="0">
+              <a:buNone/>
+              <a:defRPr sz="1500"/>
+            </a:lvl9pPr>
+          </a:lstStyle>
+          <a:p>
+            <a:endParaRPr lang="en-US"/>
+          </a:p>
+        </p:txBody>
+      </p:sp>
+      <p:sp>
+        <p:nvSpPr>
+          <p:cNvPr id="4" name="Text Placeholder 3"/>
+          <p:cNvSpPr>
+            <a:spLocks noGrp="1"/>
+          </p:cNvSpPr>
+          <p:nvPr>
+            <p:ph type="body" sz="half" idx="2"/>
+          </p:nvPr>
+        </p:nvSpPr>
+        <p:spPr>
+          <a:xfrm>
+            <a:off x="1792288" y="4025503"/>
+            <a:ext cx="5486400" cy="603647"/>
+          </a:xfrm>
+        </p:spPr>
+        <p:txBody>
+          <a:bodyPr/>
+          <a:lstStyle>
+            <a:lvl1pPr marL="0" indent="0">
+              <a:buNone/>
+              <a:defRPr sz="1050"/>
+            </a:lvl1pPr>
+            <a:lvl2pPr marL="342900" indent="0">
+              <a:buNone/>
+              <a:defRPr sz="900"/>
+            </a:lvl2pPr>
+            <a:lvl3pPr marL="685800" indent="0">
+              <a:buNone/>
+              <a:defRPr sz="750"/>
+            </a:lvl3pPr>
+            <a:lvl4pPr marL="1028700" indent="0">
+              <a:buNone/>
+              <a:defRPr sz="675"/>
+            </a:lvl4pPr>
+            <a:lvl5pPr marL="1371600" indent="0">
+              <a:buNone/>
+              <a:defRPr sz="675"/>
+            </a:lvl5pPr>
+            <a:lvl6pPr marL="1714500" indent="0">
+              <a:buNone/>
+              <a:defRPr sz="675"/>
+            </a:lvl6pPr>
+            <a:lvl7pPr marL="2057400" indent="0">
+              <a:buNone/>
+              <a:defRPr sz="675"/>
+            </a:lvl7pPr>
+            <a:lvl8pPr marL="2400300" indent="0">
+              <a:buNone/>
+              <a:defRPr sz="675"/>
+            </a:lvl8pPr>
+            <a:lvl9pPr marL="2743200" indent="0">
+              <a:buNone/>
+              <a:defRPr sz="675"/>
+            </a:lvl9pPr>
+          </a:lstStyle>
+          <a:p>
+            <a:pPr lvl="0"/>
+            <a:r>
+              <a:rPr lang="en-US"/>
+              <a:t>Click to edit Master text styles</a:t>
+            </a:r>
+          </a:p>
+        </p:txBody>
+      </p:sp>
+      <p:sp>
+        <p:nvSpPr>
+          <p:cNvPr id="5" name="Date Placeholder 4"/>
+          <p:cNvSpPr>
+            <a:spLocks noGrp="1"/>
+          </p:cNvSpPr>
+          <p:nvPr>
+            <p:ph type="dt" sz="half" idx="10"/>
+          </p:nvPr>
+        </p:nvSpPr>
+        <p:spPr/>
+        <p:txBody>
+          <a:bodyPr/>
+          <a:lstStyle/>
+          <a:p>
+            <a:fld id="{C2DC637F-6484-4E1E-8634-108E8246B83E}" type="datetime1">
+              <a:rPr lang="en-US" smtClean="0"/>
+              <a:t>4/17/2022</a:t>
+            </a:fld>
+            <a:endParaRPr lang="en-US"/>
+          </a:p>
+        </p:txBody>
+      </p:sp>
+      <p:sp>
+        <p:nvSpPr>
+          <p:cNvPr id="6" name="Footer Placeholder 5"/>
+          <p:cNvSpPr>
+            <a:spLocks noGrp="1"/>
+          </p:cNvSpPr>
+          <p:nvPr>
+            <p:ph type="ftr" sz="quarter" idx="11"/>
+          </p:nvPr>
+        </p:nvSpPr>
+        <p:spPr/>
+        <p:txBody>
+          <a:bodyPr/>
+          <a:lstStyle/>
+          <a:p>
+            <a:r>
+              <a:rPr lang="en-US"/>
+              <a:t>Cordero, M.; Gavazut, E.; Riera, L                   Proyecto final de Estadistica para Matemáticos– CO3322                         Profesor Pedro Ovalles</a:t>
+            </a:r>
+          </a:p>
+        </p:txBody>
+      </p:sp>
+      <p:sp>
+        <p:nvSpPr>
+          <p:cNvPr id="7" name="Slide Number Placeholder 6"/>
+          <p:cNvSpPr>
+            <a:spLocks noGrp="1"/>
+          </p:cNvSpPr>
+          <p:nvPr>
+            <p:ph type="sldNum" sz="quarter" idx="12"/>
+          </p:nvPr>
+        </p:nvSpPr>
+        <p:spPr/>
+        <p:txBody>
+          <a:bodyPr/>
+          <a:lstStyle/>
+          <a:p>
+            <a:fld id="{C5EF2332-01BF-834F-8236-50238282D533}" type="slidenum">
+              <a:rPr lang="en-US" smtClean="0"/>
+              <a:t>‹Nº›</a:t>
+            </a:fld>
+            <a:endParaRPr lang="en-US"/>
+          </a:p>
+        </p:txBody>
+      </p:sp>
+    </p:spTree>
+    <p:extLst>
+      <p:ext uri="{BB962C8B-B14F-4D97-AF65-F5344CB8AC3E}">
+        <p14:creationId xmlns:p14="http://schemas.microsoft.com/office/powerpoint/2010/main" val="3566899855"/>
       </p:ext>
     </p:extLst>
   </p:cSld>
@@ -3065,7 +2757,13 @@
       <p:bgPr>
         <a:blipFill dpi="0" rotWithShape="1">
           <a:blip r:embed="rId14">
+            <a:alphaModFix amt="77000"/>
             <a:lum/>
+            <a:extLst>
+              <a:ext uri="{96DAC541-7B7A-43D3-8B79-37D633B846F1}">
+                <asvg:svgBlip xmlns:asvg="http://schemas.microsoft.com/office/drawing/2016/SVG/main" r:embed="rId15"/>
+              </a:ext>
+            </a:extLst>
           </a:blip>
           <a:srcRect/>
           <a:stretch>
@@ -3101,7 +2799,7 @@
         </p:nvSpPr>
         <p:spPr>
           <a:xfrm>
-            <a:off x="457200" y="205979"/>
+            <a:off x="457199" y="0"/>
             <a:ext cx="8229600" cy="857250"/>
           </a:xfrm>
           <a:prstGeom prst="rect">
@@ -3148,35 +2846,35 @@
           <a:p>
             <a:pPr lvl="0"/>
             <a:r>
-              <a:rPr lang="en-US"/>
+              <a:rPr dirty="0" lang="en-US"/>
               <a:t>Click to edit Master text styles</a:t>
             </a:r>
           </a:p>
           <a:p>
             <a:pPr lvl="1"/>
             <a:r>
-              <a:rPr lang="en-US"/>
+              <a:rPr dirty="0" lang="en-US"/>
               <a:t>Second level</a:t>
             </a:r>
           </a:p>
           <a:p>
             <a:pPr lvl="2"/>
             <a:r>
-              <a:rPr lang="en-US"/>
+              <a:rPr dirty="0" lang="en-US"/>
               <a:t>Third level</a:t>
             </a:r>
           </a:p>
           <a:p>
             <a:pPr lvl="3"/>
             <a:r>
-              <a:rPr lang="en-US"/>
+              <a:rPr dirty="0" lang="en-US"/>
               <a:t>Fourth level</a:t>
             </a:r>
           </a:p>
           <a:p>
             <a:pPr lvl="4"/>
             <a:r>
-              <a:rPr lang="en-US"/>
+              <a:rPr dirty="0" lang="en-US"/>
               <a:t>Fifth level</a:t>
             </a:r>
           </a:p>
@@ -3195,7 +2893,7 @@
         <p:spPr>
           <a:xfrm>
             <a:off x="457200" y="4767263"/>
-            <a:ext cx="2133600" cy="273844"/>
+            <a:ext cx="712381" cy="273844"/>
           </a:xfrm>
           <a:prstGeom prst="rect">
             <a:avLst/>
@@ -3205,7 +2903,7 @@
           <a:bodyPr anchor="ctr" bIns="45720" lIns="91440" rIns="91440" rtlCol="0" tIns="45720" vert="horz"/>
           <a:lstStyle>
             <a:lvl1pPr algn="l">
-              <a:defRPr sz="1200">
+              <a:defRPr sz="900">
                 <a:solidFill>
                   <a:schemeClr val="tx1">
                     <a:tint val="75000"/>
@@ -3215,12 +2913,11 @@
             </a:lvl1pPr>
           </a:lstStyle>
           <a:p>
-            <a:fld id="{53074F12-AA26-4AC8-9962-C36BB8F32554}" type="datetimeFigureOut">
+            <a:fld id="{C40DFD4C-21F2-4119-97FF-62929C2EB435}" type="datetime1">
               <a:rPr lang="en-US" smtClean="0"/>
-              <a:pPr/>
-              <a:t>4/10/2022</a:t>
+              <a:t>4/17/2022</a:t>
             </a:fld>
-            <a:endParaRPr lang="en-US"/>
+            <a:endParaRPr dirty="0" lang="en-US"/>
           </a:p>
         </p:txBody>
       </p:sp>
@@ -3236,8 +2933,8 @@
         </p:nvSpPr>
         <p:spPr>
           <a:xfrm>
-            <a:off x="3124200" y="4767263"/>
-            <a:ext cx="2895600" cy="273844"/>
+            <a:off x="1323088" y="4779093"/>
+            <a:ext cx="6130335" cy="273844"/>
           </a:xfrm>
           <a:prstGeom prst="rect">
             <a:avLst/>
@@ -3247,7 +2944,7 @@
           <a:bodyPr anchor="ctr" bIns="45720" lIns="91440" rIns="91440" rtlCol="0" tIns="45720" vert="horz"/>
           <a:lstStyle>
             <a:lvl1pPr algn="ctr">
-              <a:defRPr sz="1200">
+              <a:defRPr sz="900">
                 <a:solidFill>
                   <a:schemeClr val="tx1">
                     <a:tint val="75000"/>
@@ -3257,7 +2954,11 @@
             </a:lvl1pPr>
           </a:lstStyle>
           <a:p>
-            <a:endParaRPr lang="en-US"/>
+            <a:r>
+              <a:rPr lang="es-419"/>
+              <a:t>Cordero, M.; Gavazut, E.; Riera, L                   Proyecto final de Estadistica para Matemáticos– CO3322                         Profesor Pedro Ovalles</a:t>
+            </a:r>
+            <a:endParaRPr dirty="0" lang="en-US"/>
           </a:p>
         </p:txBody>
       </p:sp>
@@ -3273,8 +2974,8 @@
         </p:nvSpPr>
         <p:spPr>
           <a:xfrm>
-            <a:off x="6553200" y="4767263"/>
-            <a:ext cx="2133600" cy="273844"/>
+            <a:off x="7602278" y="4767263"/>
+            <a:ext cx="1084521" cy="273844"/>
           </a:xfrm>
           <a:prstGeom prst="rect">
             <a:avLst/>
@@ -3284,7 +2985,7 @@
           <a:bodyPr anchor="ctr" bIns="45720" lIns="91440" rIns="91440" rtlCol="0" tIns="45720" vert="horz"/>
           <a:lstStyle>
             <a:lvl1pPr algn="r">
-              <a:defRPr sz="1200">
+              <a:defRPr sz="900">
                 <a:solidFill>
                   <a:schemeClr val="tx1">
                     <a:tint val="75000"/>
@@ -3294,72 +2995,18 @@
             </a:lvl1pPr>
           </a:lstStyle>
           <a:p>
-            <a:fld id="{B82CCC60-E8CD-4174-8B1A-7DF615B22EEF}" type="slidenum">
+            <a:fld id="{C5EF2332-01BF-834F-8236-50238282D533}" type="slidenum">
               <a:rPr lang="en-US" smtClean="0"/>
-              <a:pPr/>
               <a:t>‹Nº›</a:t>
             </a:fld>
             <a:endParaRPr lang="en-US"/>
           </a:p>
         </p:txBody>
       </p:sp>
-      <p:sp>
-        <p:nvSpPr>
-          <p:cNvPr id="7" name="TextBox 6">
-            <a:extLst>
-              <a:ext uri="{FF2B5EF4-FFF2-40B4-BE49-F238E27FC236}">
-                <a16:creationId xmlns:a16="http://schemas.microsoft.com/office/drawing/2014/main" id="{CC062D80-1315-40A4-A7A7-DFFE129A8242}"/>
-              </a:ext>
-            </a:extLst>
-          </p:cNvPr>
-          <p:cNvSpPr txBox="1"/>
-          <p:nvPr userDrawn="1"/>
-        </p:nvSpPr>
-        <p:spPr>
-          <a:xfrm>
-            <a:off x="-9150" y="5213747"/>
-            <a:ext cx="8389625" cy="523220"/>
-          </a:xfrm>
-          <a:prstGeom prst="rect">
-            <a:avLst/>
-          </a:prstGeom>
-          <a:noFill/>
-        </p:spPr>
-        <p:txBody>
-          <a:bodyPr rtlCol="0" wrap="square">
-            <a:spAutoFit/>
-          </a:bodyPr>
-          <a:lstStyle/>
-          <a:p>
-            <a:r>
-              <a:rPr lang="en-US" sz="1400">
-                <a:solidFill>
-                  <a:schemeClr val="bg1">
-                    <a:lumMod val="65000"/>
-                  </a:schemeClr>
-                </a:solidFill>
-              </a:rPr>
-              <a:t>This presentation uses a free template provided by FPPT.com</a:t>
-            </a:r>
-          </a:p>
-          <a:p>
-            <a:r>
-              <a:rPr lang="en-US" sz="1400">
-                <a:solidFill>
-                  <a:schemeClr val="bg1">
-                    <a:lumMod val="65000"/>
-                  </a:schemeClr>
-                </a:solidFill>
-              </a:rPr>
-              <a:t>www.free-power-point-templates.com</a:t>
-            </a:r>
-          </a:p>
-        </p:txBody>
-      </p:sp>
     </p:spTree>
     <p:extLst>
       <p:ext uri="{BB962C8B-B14F-4D97-AF65-F5344CB8AC3E}">
-        <p14:creationId xmlns:p14="http://schemas.microsoft.com/office/powerpoint/2010/main" val="1944039382"/>
+        <p14:creationId xmlns:p14="http://schemas.microsoft.com/office/powerpoint/2010/main" val="3676200875"/>
       </p:ext>
     </p:extLst>
   </p:cSld>
@@ -3367,27 +3014,28 @@
   <p:sldLayoutIdLst>
     <p:sldLayoutId id="2147483649" r:id="rId1"/>
     <p:sldLayoutId id="2147483650" r:id="rId2"/>
-    <p:sldLayoutId id="2147483660" r:id="rId3"/>
-    <p:sldLayoutId id="2147483651" r:id="rId4"/>
-    <p:sldLayoutId id="2147483652" r:id="rId5"/>
-    <p:sldLayoutId id="2147483653" r:id="rId6"/>
-    <p:sldLayoutId id="2147483654" r:id="rId7"/>
-    <p:sldLayoutId id="2147483655" r:id="rId8"/>
-    <p:sldLayoutId id="2147483656" r:id="rId9"/>
-    <p:sldLayoutId id="2147483657" r:id="rId10"/>
-    <p:sldLayoutId id="2147483658" r:id="rId11"/>
-    <p:sldLayoutId id="2147483659" r:id="rId12"/>
+    <p:sldLayoutId id="2147483651" r:id="rId3"/>
+    <p:sldLayoutId id="2147483652" r:id="rId4"/>
+    <p:sldLayoutId id="2147483653" r:id="rId5"/>
+    <p:sldLayoutId id="2147483654" r:id="rId6"/>
+    <p:sldLayoutId id="2147483655" r:id="rId7"/>
+    <p:sldLayoutId id="2147483656" r:id="rId8"/>
+    <p:sldLayoutId id="2147483657" r:id="rId9"/>
+    <p:sldLayoutId id="2147483658" r:id="rId10"/>
+    <p:sldLayoutId id="2147483659" r:id="rId11"/>
+    <p:sldLayoutId id="2147483661" r:id="rId12"/>
   </p:sldLayoutIdLst>
+  <p:hf hdr="0"/>
   <p:txStyles>
     <p:titleStyle>
-      <a:lvl1pPr algn="ctr" defTabSz="914400" eaLnBrk="1" hangingPunct="1" latinLnBrk="0" rtl="0">
+      <a:lvl1pPr algn="ctr" defTabSz="342900" eaLnBrk="1" hangingPunct="1" latinLnBrk="0" rtl="0">
         <a:spcBef>
           <a:spcPct val="0"/>
         </a:spcBef>
         <a:buNone/>
-        <a:defRPr kern="1200" sz="4400">
+        <a:defRPr b="1" kern="1200" sz="3300">
           <a:solidFill>
-            <a:schemeClr val="tx1"/>
+            <a:srgbClr val="00FF00"/>
           </a:solidFill>
           <a:latin typeface="+mj-lt"/>
           <a:ea typeface="+mj-ea"/>
@@ -3396,41 +3044,11 @@
       </a:lvl1pPr>
     </p:titleStyle>
     <p:bodyStyle>
-      <a:lvl1pPr algn="l" defTabSz="914400" eaLnBrk="1" hangingPunct="1" indent="-342900" latinLnBrk="0" marL="342900" rtl="0">
+      <a:lvl1pPr algn="l" defTabSz="342900" eaLnBrk="1" hangingPunct="1" indent="-342900" latinLnBrk="0" marL="342900" rtl="0">
         <a:spcBef>
           <a:spcPct val="20000"/>
         </a:spcBef>
-        <a:buFont charset="0" pitchFamily="34" typeface="Arial"/>
-        <a:buChar char="•"/>
-        <a:defRPr kern="1200" sz="3200">
-          <a:solidFill>
-            <a:schemeClr val="tx1"/>
-          </a:solidFill>
-          <a:latin typeface="+mn-lt"/>
-          <a:ea typeface="+mn-ea"/>
-          <a:cs typeface="+mn-cs"/>
-        </a:defRPr>
-      </a:lvl1pPr>
-      <a:lvl2pPr algn="l" defTabSz="914400" eaLnBrk="1" hangingPunct="1" indent="-285750" latinLnBrk="0" marL="742950" rtl="0">
-        <a:spcBef>
-          <a:spcPct val="20000"/>
-        </a:spcBef>
-        <a:buFont charset="0" pitchFamily="34" typeface="Arial"/>
-        <a:buChar char="–"/>
-        <a:defRPr kern="1200" sz="2800">
-          <a:solidFill>
-            <a:schemeClr val="tx1"/>
-          </a:solidFill>
-          <a:latin typeface="+mn-lt"/>
-          <a:ea typeface="+mn-ea"/>
-          <a:cs typeface="+mn-cs"/>
-        </a:defRPr>
-      </a:lvl2pPr>
-      <a:lvl3pPr algn="l" defTabSz="914400" eaLnBrk="1" hangingPunct="1" indent="-228600" latinLnBrk="0" marL="1143000" rtl="0">
-        <a:spcBef>
-          <a:spcPct val="20000"/>
-        </a:spcBef>
-        <a:buFont charset="0" pitchFamily="34" typeface="Arial"/>
+        <a:buFont typeface="Arial"/>
         <a:buChar char="•"/>
         <a:defRPr kern="1200" sz="2400">
           <a:solidFill>
@@ -3440,14 +3058,44 @@
           <a:ea typeface="+mn-ea"/>
           <a:cs typeface="+mn-cs"/>
         </a:defRPr>
-      </a:lvl3pPr>
-      <a:lvl4pPr algn="l" defTabSz="914400" eaLnBrk="1" hangingPunct="1" indent="-228600" latinLnBrk="0" marL="1600200" rtl="0">
+      </a:lvl1pPr>
+      <a:lvl2pPr algn="l" defTabSz="342900" eaLnBrk="1" hangingPunct="1" indent="-342900" latinLnBrk="0" marL="685800" rtl="0">
         <a:spcBef>
           <a:spcPct val="20000"/>
         </a:spcBef>
-        <a:buFont charset="0" pitchFamily="34" typeface="Arial"/>
+        <a:buFont typeface="Arial"/>
         <a:buChar char="–"/>
-        <a:defRPr kern="1200" sz="2000">
+        <a:defRPr kern="1200" sz="2100">
+          <a:solidFill>
+            <a:schemeClr val="tx1"/>
+          </a:solidFill>
+          <a:latin typeface="+mn-lt"/>
+          <a:ea typeface="+mn-ea"/>
+          <a:cs typeface="+mn-cs"/>
+        </a:defRPr>
+      </a:lvl2pPr>
+      <a:lvl3pPr algn="l" defTabSz="342900" eaLnBrk="1" hangingPunct="1" indent="-342900" latinLnBrk="0" marL="1028700" rtl="0">
+        <a:spcBef>
+          <a:spcPct val="20000"/>
+        </a:spcBef>
+        <a:buFont typeface="Arial"/>
+        <a:buChar char="•"/>
+        <a:defRPr kern="1200" sz="1800">
+          <a:solidFill>
+            <a:schemeClr val="tx1"/>
+          </a:solidFill>
+          <a:latin typeface="+mn-lt"/>
+          <a:ea typeface="+mn-ea"/>
+          <a:cs typeface="+mn-cs"/>
+        </a:defRPr>
+      </a:lvl3pPr>
+      <a:lvl4pPr algn="l" defTabSz="342900" eaLnBrk="1" hangingPunct="1" indent="-342900" latinLnBrk="0" marL="1371600" rtl="0">
+        <a:spcBef>
+          <a:spcPct val="20000"/>
+        </a:spcBef>
+        <a:buFont typeface="Arial"/>
+        <a:buChar char="–"/>
+        <a:defRPr kern="1200" sz="1500">
           <a:solidFill>
             <a:schemeClr val="tx1"/>
           </a:solidFill>
@@ -3456,13 +3104,13 @@
           <a:cs typeface="+mn-cs"/>
         </a:defRPr>
       </a:lvl4pPr>
-      <a:lvl5pPr algn="l" defTabSz="914400" eaLnBrk="1" hangingPunct="1" indent="-228600" latinLnBrk="0" marL="2057400" rtl="0">
+      <a:lvl5pPr algn="l" defTabSz="342900" eaLnBrk="1" hangingPunct="1" indent="-342900" latinLnBrk="0" marL="1714500" rtl="0">
         <a:spcBef>
           <a:spcPct val="20000"/>
         </a:spcBef>
-        <a:buFont charset="0" pitchFamily="34" typeface="Arial"/>
+        <a:buFont typeface="Arial"/>
         <a:buChar char="»"/>
-        <a:defRPr kern="1200" sz="2000">
+        <a:defRPr kern="1200" sz="1500">
           <a:solidFill>
             <a:schemeClr val="tx1"/>
           </a:solidFill>
@@ -3471,13 +3119,13 @@
           <a:cs typeface="+mn-cs"/>
         </a:defRPr>
       </a:lvl5pPr>
-      <a:lvl6pPr algn="l" defTabSz="914400" eaLnBrk="1" hangingPunct="1" indent="-228600" latinLnBrk="0" marL="2514600" rtl="0">
+      <a:lvl6pPr algn="l" defTabSz="342900" eaLnBrk="1" hangingPunct="1" indent="-342900" latinLnBrk="0" marL="2057400" rtl="0">
         <a:spcBef>
           <a:spcPct val="20000"/>
         </a:spcBef>
-        <a:buFont charset="0" pitchFamily="34" typeface="Arial"/>
+        <a:buFont typeface="Arial"/>
         <a:buChar char="•"/>
-        <a:defRPr kern="1200" sz="2000">
+        <a:defRPr kern="1200" sz="1500">
           <a:solidFill>
             <a:schemeClr val="tx1"/>
           </a:solidFill>
@@ -3486,13 +3134,13 @@
           <a:cs typeface="+mn-cs"/>
         </a:defRPr>
       </a:lvl6pPr>
-      <a:lvl7pPr algn="l" defTabSz="914400" eaLnBrk="1" hangingPunct="1" indent="-228600" latinLnBrk="0" marL="2971800" rtl="0">
+      <a:lvl7pPr algn="l" defTabSz="342900" eaLnBrk="1" hangingPunct="1" indent="-342900" latinLnBrk="0" marL="2400300" rtl="0">
         <a:spcBef>
           <a:spcPct val="20000"/>
         </a:spcBef>
-        <a:buFont charset="0" pitchFamily="34" typeface="Arial"/>
+        <a:buFont typeface="Arial"/>
         <a:buChar char="•"/>
-        <a:defRPr kern="1200" sz="2000">
+        <a:defRPr kern="1200" sz="1500">
           <a:solidFill>
             <a:schemeClr val="tx1"/>
           </a:solidFill>
@@ -3501,13 +3149,13 @@
           <a:cs typeface="+mn-cs"/>
         </a:defRPr>
       </a:lvl7pPr>
-      <a:lvl8pPr algn="l" defTabSz="914400" eaLnBrk="1" hangingPunct="1" indent="-228600" latinLnBrk="0" marL="3429000" rtl="0">
+      <a:lvl8pPr algn="l" defTabSz="342900" eaLnBrk="1" hangingPunct="1" indent="-342900" latinLnBrk="0" marL="2743200" rtl="0">
         <a:spcBef>
           <a:spcPct val="20000"/>
         </a:spcBef>
-        <a:buFont charset="0" pitchFamily="34" typeface="Arial"/>
+        <a:buFont typeface="Arial"/>
         <a:buChar char="•"/>
-        <a:defRPr kern="1200" sz="2000">
+        <a:defRPr kern="1200" sz="1500">
           <a:solidFill>
             <a:schemeClr val="tx1"/>
           </a:solidFill>
@@ -3516,13 +3164,13 @@
           <a:cs typeface="+mn-cs"/>
         </a:defRPr>
       </a:lvl8pPr>
-      <a:lvl9pPr algn="l" defTabSz="914400" eaLnBrk="1" hangingPunct="1" indent="-228600" latinLnBrk="0" marL="3886200" rtl="0">
+      <a:lvl9pPr algn="l" defTabSz="342900" eaLnBrk="1" hangingPunct="1" indent="-342900" latinLnBrk="0" marL="3086100" rtl="0">
         <a:spcBef>
           <a:spcPct val="20000"/>
         </a:spcBef>
-        <a:buFont charset="0" pitchFamily="34" typeface="Arial"/>
+        <a:buFont typeface="Arial"/>
         <a:buChar char="•"/>
-        <a:defRPr kern="1200" sz="2000">
+        <a:defRPr kern="1200" sz="1500">
           <a:solidFill>
             <a:schemeClr val="tx1"/>
           </a:solidFill>
@@ -3536,8 +3184,8 @@
       <a:defPPr>
         <a:defRPr lang="en-US"/>
       </a:defPPr>
-      <a:lvl1pPr algn="l" defTabSz="914400" eaLnBrk="1" hangingPunct="1" latinLnBrk="0" marL="0" rtl="0">
-        <a:defRPr kern="1200" sz="1800">
+      <a:lvl1pPr algn="l" defTabSz="342900" eaLnBrk="1" hangingPunct="1" latinLnBrk="0" marL="0" rtl="0">
+        <a:defRPr kern="1200" sz="1350">
           <a:solidFill>
             <a:schemeClr val="tx1"/>
           </a:solidFill>
@@ -3546,8 +3194,8 @@
           <a:cs typeface="+mn-cs"/>
         </a:defRPr>
       </a:lvl1pPr>
-      <a:lvl2pPr algn="l" defTabSz="914400" eaLnBrk="1" hangingPunct="1" latinLnBrk="0" marL="457200" rtl="0">
-        <a:defRPr kern="1200" sz="1800">
+      <a:lvl2pPr algn="l" defTabSz="342900" eaLnBrk="1" hangingPunct="1" latinLnBrk="0" marL="342900" rtl="0">
+        <a:defRPr kern="1200" sz="1350">
           <a:solidFill>
             <a:schemeClr val="tx1"/>
           </a:solidFill>
@@ -3556,8 +3204,8 @@
           <a:cs typeface="+mn-cs"/>
         </a:defRPr>
       </a:lvl2pPr>
-      <a:lvl3pPr algn="l" defTabSz="914400" eaLnBrk="1" hangingPunct="1" latinLnBrk="0" marL="914400" rtl="0">
-        <a:defRPr kern="1200" sz="1800">
+      <a:lvl3pPr algn="l" defTabSz="342900" eaLnBrk="1" hangingPunct="1" latinLnBrk="0" marL="685800" rtl="0">
+        <a:defRPr kern="1200" sz="1350">
           <a:solidFill>
             <a:schemeClr val="tx1"/>
           </a:solidFill>
@@ -3566,8 +3214,8 @@
           <a:cs typeface="+mn-cs"/>
         </a:defRPr>
       </a:lvl3pPr>
-      <a:lvl4pPr algn="l" defTabSz="914400" eaLnBrk="1" hangingPunct="1" latinLnBrk="0" marL="1371600" rtl="0">
-        <a:defRPr kern="1200" sz="1800">
+      <a:lvl4pPr algn="l" defTabSz="342900" eaLnBrk="1" hangingPunct="1" latinLnBrk="0" marL="1028700" rtl="0">
+        <a:defRPr kern="1200" sz="1350">
           <a:solidFill>
             <a:schemeClr val="tx1"/>
           </a:solidFill>
@@ -3576,8 +3224,8 @@
           <a:cs typeface="+mn-cs"/>
         </a:defRPr>
       </a:lvl4pPr>
-      <a:lvl5pPr algn="l" defTabSz="914400" eaLnBrk="1" hangingPunct="1" latinLnBrk="0" marL="1828800" rtl="0">
-        <a:defRPr kern="1200" sz="1800">
+      <a:lvl5pPr algn="l" defTabSz="342900" eaLnBrk="1" hangingPunct="1" latinLnBrk="0" marL="1371600" rtl="0">
+        <a:defRPr kern="1200" sz="1350">
           <a:solidFill>
             <a:schemeClr val="tx1"/>
           </a:solidFill>
@@ -3586,8 +3234,8 @@
           <a:cs typeface="+mn-cs"/>
         </a:defRPr>
       </a:lvl5pPr>
-      <a:lvl6pPr algn="l" defTabSz="914400" eaLnBrk="1" hangingPunct="1" latinLnBrk="0" marL="2286000" rtl="0">
-        <a:defRPr kern="1200" sz="1800">
+      <a:lvl6pPr algn="l" defTabSz="342900" eaLnBrk="1" hangingPunct="1" latinLnBrk="0" marL="1714500" rtl="0">
+        <a:defRPr kern="1200" sz="1350">
           <a:solidFill>
             <a:schemeClr val="tx1"/>
           </a:solidFill>
@@ -3596,8 +3244,8 @@
           <a:cs typeface="+mn-cs"/>
         </a:defRPr>
       </a:lvl6pPr>
-      <a:lvl7pPr algn="l" defTabSz="914400" eaLnBrk="1" hangingPunct="1" latinLnBrk="0" marL="2743200" rtl="0">
-        <a:defRPr kern="1200" sz="1800">
+      <a:lvl7pPr algn="l" defTabSz="342900" eaLnBrk="1" hangingPunct="1" latinLnBrk="0" marL="2057400" rtl="0">
+        <a:defRPr kern="1200" sz="1350">
           <a:solidFill>
             <a:schemeClr val="tx1"/>
           </a:solidFill>
@@ -3606,8 +3254,8 @@
           <a:cs typeface="+mn-cs"/>
         </a:defRPr>
       </a:lvl7pPr>
-      <a:lvl8pPr algn="l" defTabSz="914400" eaLnBrk="1" hangingPunct="1" latinLnBrk="0" marL="3200400" rtl="0">
-        <a:defRPr kern="1200" sz="1800">
+      <a:lvl8pPr algn="l" defTabSz="342900" eaLnBrk="1" hangingPunct="1" latinLnBrk="0" marL="2400300" rtl="0">
+        <a:defRPr kern="1200" sz="1350">
           <a:solidFill>
             <a:schemeClr val="tx1"/>
           </a:solidFill>
@@ -3616,8 +3264,8 @@
           <a:cs typeface="+mn-cs"/>
         </a:defRPr>
       </a:lvl8pPr>
-      <a:lvl9pPr algn="l" defTabSz="914400" eaLnBrk="1" hangingPunct="1" latinLnBrk="0" marL="3657600" rtl="0">
-        <a:defRPr kern="1200" sz="1800">
+      <a:lvl9pPr algn="l" defTabSz="342900" eaLnBrk="1" hangingPunct="1" latinLnBrk="0" marL="2743200" rtl="0">
+        <a:defRPr kern="1200" sz="1350">
           <a:solidFill>
             <a:schemeClr val="tx1"/>
           </a:solidFill>
@@ -3655,22 +3303,19 @@
             <a:spLocks noGrp="1"/>
           </p:cNvSpPr>
           <p:nvPr>
-            <p:ph hasCustomPrompt="1" type="ctrTitle"/>
+            <p:ph type="ctrTitle"/>
           </p:nvPr>
         </p:nvSpPr>
         <p:spPr>
           <a:xfrm>
-            <a:off x="601670" y="1502815"/>
-            <a:ext cx="7635250" cy="1068935"/>
+            <a:off x="914400" y="329840"/>
+            <a:ext cx="7772400" cy="1102519"/>
           </a:xfrm>
-          <a:noFill/>
-          <a:effectLst>
-            <a:outerShdw algn="tl" blurRad="50800" dir="2700000" dist="38100" rotWithShape="0">
-              <a:prstClr val="black">
-                <a:alpha val="40000"/>
-              </a:prstClr>
-            </a:outerShdw>
-          </a:effectLst>
+          <a:solidFill>
+            <a:schemeClr val="tx1">
+              <a:alpha val="46000"/>
+            </a:schemeClr>
+          </a:solidFill>
         </p:spPr>
         <p:txBody>
           <a:bodyPr/>
@@ -3681,7 +3326,7 @@
             </a:pPr>
             <a:r>
               <a:rPr/>
-              <a:t>Análisis estadístico sobre una base de datos de beísbol.</a:t>
+              <a:t>Análisis de una base de Datos de Beísbol</a:t>
             </a:r>
           </a:p>
         </p:txBody>
@@ -3693,14 +3338,19 @@
             <a:spLocks noGrp="1"/>
           </p:cNvSpPr>
           <p:nvPr>
-            <p:ph idx="1" type="subTitle"/>
+            <p:ph hasCustomPrompt="1" idx="1" type="subTitle"/>
           </p:nvPr>
         </p:nvSpPr>
         <p:spPr>
           <a:xfrm>
-            <a:off x="601670" y="2877160"/>
-            <a:ext cx="7635250" cy="1221640"/>
+            <a:off x="3820633" y="2598226"/>
+            <a:ext cx="4866167" cy="1314450"/>
           </a:xfrm>
+          <a:solidFill>
+            <a:schemeClr val="bg1">
+              <a:alpha val="30000"/>
+            </a:schemeClr>
+          </a:solidFill>
         </p:spPr>
         <p:txBody>
           <a:bodyPr/>
@@ -3709,15 +3359,16 @@
             <a:pPr lvl="0" indent="0" marL="0">
               <a:buNone/>
             </a:pPr>
+            <a:r>
+              <a:rPr/>
+              <a:t>Informe final de Estadística</a:t>
+            </a:r>
             <a:br/>
             <a:br/>
-            <a:r>
-              <a:rPr/>
-              <a:t>Eduardo Gavazut</a:t>
-            </a:r>
-          </a:p>
-        </p:txBody>
-      </p:sp>
+          </a:p>
+        </p:txBody>
+      </p:sp>
+      <p:sp/>
     </p:spTree>
   </p:cSld>
 </p:sld>
@@ -3750,12 +3401,528 @@
             <p:ph type="title"/>
           </p:nvPr>
         </p:nvSpPr>
+        <p:spPr/>
+        <p:txBody>
+          <a:bodyPr/>
+          <a:lstStyle/>
+          <a:p>
+            <a:pPr lvl="0" indent="0" marL="0">
+              <a:buNone/>
+            </a:pPr>
+            <a:r>
+              <a:rPr/>
+              <a:t>Table of Contents</a:t>
+            </a:r>
+          </a:p>
+        </p:txBody>
+      </p:sp>
+      <p:sp>
+        <p:nvSpPr>
+          <p:cNvPr id="3" name="Content Placeholder 2"/>
+          <p:cNvSpPr>
+            <a:spLocks noGrp="1"/>
+          </p:cNvSpPr>
+          <p:nvPr>
+            <p:ph idx="1"/>
+          </p:nvPr>
+        </p:nvSpPr>
+        <p:spPr/>
+        <p:txBody>
+          <a:bodyPr/>
+          <a:lstStyle/>
+          <a:p>
+            <a:pPr lvl="0"/>
+            <a:r>
+              <a:rPr>
+                <a:hlinkClick r:id="rId2" action="ppaction://hlinksldjump"/>
+              </a:rPr>
+              <a:t>Pruebas sobre la tasa de bateo</a:t>
+            </a:r>
+          </a:p>
+          <a:p>
+            <a:pPr lvl="0"/>
+          </a:p>
+          <a:p>
+            <a:pPr lvl="0"/>
+          </a:p>
+        </p:txBody>
+      </p:sp>
+      <p:sp>
+        <p:nvSpPr>
+          <p:cNvPr id="4" name="Date Placeholder 3"/>
+          <p:cNvSpPr>
+            <a:spLocks noGrp="1"/>
+          </p:cNvSpPr>
+          <p:nvPr>
+            <p:ph idx="10" sz="half" type="dt"/>
+          </p:nvPr>
+        </p:nvSpPr>
+        <p:spPr/>
+        <p:txBody>
+          <a:bodyPr/>
+          <a:lstStyle/>
+          <a:p>
+            <a:fld id="{1CD06654-6CEA-4282-986B-C223F35974FB}" type="datetime1">
+              <a:rPr lang="en-US" smtClean="0"/>
+              <a:t>8 de abril de 2022</a:t>
+            </a:fld>
+            <a:endParaRPr lang="en-US"/>
+          </a:p>
+        </p:txBody>
+      </p:sp>
+      <p:sp>
+        <p:nvSpPr>
+          <p:cNvPr id="5" name="Footer Placeholder 4"/>
+          <p:cNvSpPr>
+            <a:spLocks noGrp="1"/>
+          </p:cNvSpPr>
+          <p:nvPr>
+            <p:ph idx="11" sz="quarter" type="ftr"/>
+          </p:nvPr>
+        </p:nvSpPr>
         <p:spPr>
           <a:xfrm>
-            <a:off x="448965" y="281175"/>
-            <a:ext cx="8246070" cy="916230"/>
+            <a:off x="1323088" y="4779093"/>
+            <a:ext cx="6826125" cy="273844"/>
           </a:xfrm>
         </p:spPr>
+        <p:txBody>
+          <a:bodyPr/>
+          <a:lstStyle/>
+          <a:p>
+            <a:r>
+              <a:rPr dirty="0" lang="en-US"/>
+              <a:t>Cordero, M.; Gavazut, E.; </a:t>
+            </a:r>
+            <a:r>
+              <a:rPr dirty="0" err="1" lang="en-US"/>
+              <a:t>Riera</a:t>
+            </a:r>
+            <a:r>
+              <a:rPr dirty="0" lang="en-US"/>
+              <a:t>, L                   Proyecto final de </a:t>
+            </a:r>
+            <a:r>
+              <a:rPr dirty="0" err="1" lang="en-US"/>
+              <a:t>Estadistica</a:t>
+            </a:r>
+            <a:r>
+              <a:rPr dirty="0" lang="en-US"/>
+              <a:t> para </a:t>
+            </a:r>
+            <a:r>
+              <a:rPr dirty="0" err="1" lang="en-US"/>
+              <a:t>Matemáticos</a:t>
+            </a:r>
+            <a:r>
+              <a:rPr dirty="0" lang="en-US"/>
+              <a:t>– CO3322                         </a:t>
+            </a:r>
+            <a:r>
+              <a:rPr dirty="0" err="1" lang="en-US"/>
+              <a:t>Profesor</a:t>
+            </a:r>
+            <a:r>
+              <a:rPr dirty="0" lang="en-US"/>
+              <a:t> Pedro </a:t>
+            </a:r>
+            <a:r>
+              <a:rPr dirty="0" err="1" lang="en-US"/>
+              <a:t>Ovalles</a:t>
+            </a:r>
+            <a:endParaRPr dirty="0" lang="en-US"/>
+          </a:p>
+        </p:txBody>
+      </p:sp>
+      <p:sp>
+        <p:nvSpPr>
+          <p:cNvPr id="6" name="Slide Number Placeholder 5"/>
+          <p:cNvSpPr>
+            <a:spLocks noGrp="1"/>
+          </p:cNvSpPr>
+          <p:nvPr>
+            <p:ph idx="12" sz="quarter" type="sldNum"/>
+          </p:nvPr>
+        </p:nvSpPr>
+        <p:spPr>
+          <a:xfrm>
+            <a:off x="8149213" y="4767263"/>
+            <a:ext cx="537586" cy="273844"/>
+          </a:xfrm>
+        </p:spPr>
+        <p:txBody>
+          <a:bodyPr/>
+          <a:lstStyle/>
+          <a:p>
+            <a:fld id="{C5EF2332-01BF-834F-8236-50238282D533}" type="slidenum">
+              <a:rPr lang="en-US" smtClean="0"/>
+              <a:t>‹Nº›</a:t>
+            </a:fld>
+            <a:endParaRPr dirty="0" lang="en-US"/>
+          </a:p>
+        </p:txBody>
+      </p:sp>
+    </p:spTree>
+  </p:cSld>
+</p:sld>
+</file>
+
+<file path=ppt/slides/slide3.xml><?xml version="1.0" encoding="utf-8"?>
+<p:sld xmlns:a="http://schemas.openxmlformats.org/drawingml/2006/main" xmlns:r="http://schemas.openxmlformats.org/officeDocument/2006/relationships" xmlns:p="http://schemas.openxmlformats.org/presentationml/2006/main">
+  <p:cSld>
+    <p:spTree>
+      <p:nvGrpSpPr>
+        <p:cNvPr id="1" name=""/>
+        <p:cNvGrpSpPr/>
+        <p:nvPr/>
+      </p:nvGrpSpPr>
+      <p:grpSpPr>
+        <a:xfrm>
+          <a:off x="0" y="0"/>
+          <a:ext cx="0" cy="0"/>
+          <a:chOff x="0" y="0"/>
+          <a:chExt cx="0" cy="0"/>
+        </a:xfrm>
+      </p:grpSpPr>
+      <p:sp>
+        <p:nvSpPr>
+          <p:cNvPr id="3" name="Content Placeholder 2"/>
+          <p:cNvSpPr>
+            <a:spLocks noGrp="1"/>
+          </p:cNvSpPr>
+          <p:nvPr>
+            <p:ph idx="1"/>
+          </p:nvPr>
+        </p:nvSpPr>
+        <p:spPr/>
+        <p:txBody>
+          <a:bodyPr/>
+          <a:lstStyle/>
+          <a:p>
+            <a:pPr lvl="0" indent="0">
+              <a:buNone/>
+            </a:pPr>
+            <a:r>
+              <a:rPr i="1">
+                <a:solidFill>
+                  <a:srgbClr val="60A0B0"/>
+                </a:solidFill>
+                <a:latin typeface="Courier"/>
+              </a:rPr>
+              <a:t># Inicializamos la librería que permite leer archivos xlsx</a:t>
+            </a:r>
+            <a:br/>
+            <a:r>
+              <a:rPr>
+                <a:solidFill>
+                  <a:srgbClr val="06287E"/>
+                </a:solidFill>
+                <a:latin typeface="Courier"/>
+              </a:rPr>
+              <a:t>library</a:t>
+            </a:r>
+            <a:r>
+              <a:rPr>
+                <a:latin typeface="Courier"/>
+              </a:rPr>
+              <a:t>(readxl)</a:t>
+            </a:r>
+          </a:p>
+          <a:p>
+            <a:pPr lvl="0" indent="0">
+              <a:buNone/>
+            </a:pPr>
+            <a:r>
+              <a:rPr>
+                <a:latin typeface="Courier"/>
+              </a:rPr>
+              <a:t>## Warning: package 'readxl' was built under R version 4.1.3</a:t>
+            </a:r>
+          </a:p>
+          <a:p>
+            <a:pPr lvl="0" indent="0">
+              <a:buNone/>
+            </a:pPr>
+            <a:r>
+              <a:rPr i="1">
+                <a:solidFill>
+                  <a:srgbClr val="60A0B0"/>
+                </a:solidFill>
+                <a:latin typeface="Courier"/>
+              </a:rPr>
+              <a:t># Asignamos a una variable la información almacenada en el archivo</a:t>
+            </a:r>
+            <a:br/>
+            <a:r>
+              <a:rPr>
+                <a:latin typeface="Courier"/>
+              </a:rPr>
+              <a:t>Baseball </a:t>
+            </a:r>
+            <a:r>
+              <a:rPr>
+                <a:solidFill>
+                  <a:srgbClr val="007020"/>
+                </a:solidFill>
+                <a:latin typeface="Courier"/>
+              </a:rPr>
+              <a:t>&lt;-</a:t>
+            </a:r>
+            <a:r>
+              <a:rPr>
+                <a:latin typeface="Courier"/>
+              </a:rPr>
+              <a:t> </a:t>
+            </a:r>
+            <a:r>
+              <a:rPr>
+                <a:solidFill>
+                  <a:srgbClr val="06287E"/>
+                </a:solidFill>
+                <a:latin typeface="Courier"/>
+              </a:rPr>
+              <a:t>read_excel</a:t>
+            </a:r>
+            <a:r>
+              <a:rPr>
+                <a:latin typeface="Courier"/>
+              </a:rPr>
+              <a:t>(</a:t>
+            </a:r>
+            <a:r>
+              <a:rPr>
+                <a:solidFill>
+                  <a:srgbClr val="4070A0"/>
+                </a:solidFill>
+                <a:latin typeface="Courier"/>
+              </a:rPr>
+              <a:t>"~/GitHub/data/Baseball.xlsx"</a:t>
+            </a:r>
+            <a:r>
+              <a:rPr>
+                <a:latin typeface="Courier"/>
+              </a:rPr>
+              <a:t>)</a:t>
+            </a:r>
+            <a:br/>
+            <a:r>
+              <a:rPr i="1">
+                <a:solidFill>
+                  <a:srgbClr val="60A0B0"/>
+                </a:solidFill>
+                <a:latin typeface="Courier"/>
+              </a:rPr>
+              <a:t># Mostramos las primeras 5 entradas</a:t>
+            </a:r>
+            <a:br/>
+            <a:r>
+              <a:rPr>
+                <a:solidFill>
+                  <a:srgbClr val="06287E"/>
+                </a:solidFill>
+                <a:latin typeface="Courier"/>
+              </a:rPr>
+              <a:t>head</a:t>
+            </a:r>
+            <a:r>
+              <a:rPr>
+                <a:latin typeface="Courier"/>
+              </a:rPr>
+              <a:t>(Baseball, </a:t>
+            </a:r>
+            <a:r>
+              <a:rPr>
+                <a:solidFill>
+                  <a:srgbClr val="7D9029"/>
+                </a:solidFill>
+                <a:latin typeface="Courier"/>
+              </a:rPr>
+              <a:t>n=</a:t>
+            </a:r>
+            <a:r>
+              <a:rPr>
+                <a:solidFill>
+                  <a:srgbClr val="40A070"/>
+                </a:solidFill>
+                <a:latin typeface="Courier"/>
+              </a:rPr>
+              <a:t>5</a:t>
+            </a:r>
+            <a:r>
+              <a:rPr>
+                <a:latin typeface="Courier"/>
+              </a:rPr>
+              <a:t>)</a:t>
+            </a:r>
+          </a:p>
+          <a:p>
+            <a:pPr lvl="0" indent="0">
+              <a:buNone/>
+            </a:pPr>
+            <a:r>
+              <a:rPr>
+                <a:latin typeface="Courier"/>
+              </a:rPr>
+              <a:t>## # A tibble: 5 x 6
+##      X1    X2    X3    X4    X5    X6
+##   &lt;dbl&gt; &lt;dbl&gt; &lt;dbl&gt; &lt;dbl&gt; &lt;dbl&gt; &lt;dbl&gt;
+## 1 0.283 0.144 0.049 0.012 0.013 0.086
+## 2 0.276 0.125 0.039 0.013 0.002 0.062
+## 3 0.281 0.141 0.045 0.021 0.013 0.074
+## 4 0.328 0.189 0.043 0.001 0.03  0.032
+## 5 0.29  0.161 0.044 0.011 0.07  0.076</a:t>
+            </a:r>
+          </a:p>
+        </p:txBody>
+      </p:sp>
+      <p:sp>
+        <p:nvSpPr>
+          <p:cNvPr id="4" name="Date Placeholder 3"/>
+          <p:cNvSpPr>
+            <a:spLocks noGrp="1"/>
+          </p:cNvSpPr>
+          <p:nvPr>
+            <p:ph idx="10" sz="half" type="dt"/>
+          </p:nvPr>
+        </p:nvSpPr>
+        <p:spPr/>
+        <p:txBody>
+          <a:bodyPr/>
+          <a:lstStyle/>
+          <a:p>
+            <a:fld id="{1CD06654-6CEA-4282-986B-C223F35974FB}" type="datetime1">
+              <a:rPr lang="en-US" smtClean="0"/>
+              <a:t>8 de abril de 2022</a:t>
+            </a:fld>
+            <a:endParaRPr lang="en-US"/>
+          </a:p>
+        </p:txBody>
+      </p:sp>
+      <p:sp>
+        <p:nvSpPr>
+          <p:cNvPr id="5" name="Footer Placeholder 4"/>
+          <p:cNvSpPr>
+            <a:spLocks noGrp="1"/>
+          </p:cNvSpPr>
+          <p:nvPr>
+            <p:ph idx="11" sz="quarter" type="ftr"/>
+          </p:nvPr>
+        </p:nvSpPr>
+        <p:spPr>
+          <a:xfrm>
+            <a:off x="1323088" y="4779093"/>
+            <a:ext cx="6826125" cy="273844"/>
+          </a:xfrm>
+        </p:spPr>
+        <p:txBody>
+          <a:bodyPr/>
+          <a:lstStyle/>
+          <a:p>
+            <a:r>
+              <a:rPr dirty="0" lang="en-US"/>
+              <a:t>Cordero, M.; Gavazut, E.; </a:t>
+            </a:r>
+            <a:r>
+              <a:rPr dirty="0" err="1" lang="en-US"/>
+              <a:t>Riera</a:t>
+            </a:r>
+            <a:r>
+              <a:rPr dirty="0" lang="en-US"/>
+              <a:t>, L                   Proyecto final de </a:t>
+            </a:r>
+            <a:r>
+              <a:rPr dirty="0" err="1" lang="en-US"/>
+              <a:t>Estadistica</a:t>
+            </a:r>
+            <a:r>
+              <a:rPr dirty="0" lang="en-US"/>
+              <a:t> para </a:t>
+            </a:r>
+            <a:r>
+              <a:rPr dirty="0" err="1" lang="en-US"/>
+              <a:t>Matemáticos</a:t>
+            </a:r>
+            <a:r>
+              <a:rPr dirty="0" lang="en-US"/>
+              <a:t>– CO3322                         </a:t>
+            </a:r>
+            <a:r>
+              <a:rPr dirty="0" err="1" lang="en-US"/>
+              <a:t>Profesor</a:t>
+            </a:r>
+            <a:r>
+              <a:rPr dirty="0" lang="en-US"/>
+              <a:t> Pedro </a:t>
+            </a:r>
+            <a:r>
+              <a:rPr dirty="0" err="1" lang="en-US"/>
+              <a:t>Ovalles</a:t>
+            </a:r>
+            <a:endParaRPr dirty="0" lang="en-US"/>
+          </a:p>
+        </p:txBody>
+      </p:sp>
+      <p:sp>
+        <p:nvSpPr>
+          <p:cNvPr id="6" name="Slide Number Placeholder 5"/>
+          <p:cNvSpPr>
+            <a:spLocks noGrp="1"/>
+          </p:cNvSpPr>
+          <p:nvPr>
+            <p:ph idx="12" sz="quarter" type="sldNum"/>
+          </p:nvPr>
+        </p:nvSpPr>
+        <p:spPr>
+          <a:xfrm>
+            <a:off x="8149213" y="4767263"/>
+            <a:ext cx="537586" cy="273844"/>
+          </a:xfrm>
+        </p:spPr>
+        <p:txBody>
+          <a:bodyPr/>
+          <a:lstStyle/>
+          <a:p>
+            <a:fld id="{C5EF2332-01BF-834F-8236-50238282D533}" type="slidenum">
+              <a:rPr lang="en-US" smtClean="0"/>
+              <a:t>‹Nº›</a:t>
+            </a:fld>
+            <a:endParaRPr dirty="0" lang="en-US"/>
+          </a:p>
+        </p:txBody>
+      </p:sp>
+    </p:spTree>
+  </p:cSld>
+</p:sld>
+</file>
+
+<file path=ppt/slides/slide4.xml><?xml version="1.0" encoding="utf-8"?>
+<p:sld xmlns:a="http://schemas.openxmlformats.org/drawingml/2006/main" xmlns:r="http://schemas.openxmlformats.org/officeDocument/2006/relationships" xmlns:p="http://schemas.openxmlformats.org/presentationml/2006/main">
+  <p:cSld>
+    <p:spTree>
+      <p:nvGrpSpPr>
+        <p:cNvPr id="1" name=""/>
+        <p:cNvGrpSpPr/>
+        <p:nvPr/>
+      </p:nvGrpSpPr>
+      <p:grpSpPr>
+        <a:xfrm>
+          <a:off x="0" y="0"/>
+          <a:ext cx="0" cy="0"/>
+          <a:chOff x="0" y="0"/>
+          <a:chExt cx="0" cy="0"/>
+        </a:xfrm>
+      </p:grpSpPr>
+      <p:sp>
+        <p:nvSpPr>
+          <p:cNvPr id="2" name="Title 1"/>
+          <p:cNvSpPr>
+            <a:spLocks noGrp="1"/>
+          </p:cNvSpPr>
+          <p:nvPr>
+            <p:ph type="title"/>
+          </p:nvPr>
+        </p:nvSpPr>
+        <p:spPr/>
         <p:txBody>
           <a:bodyPr/>
           <a:lstStyle/>
@@ -3826,6 +3993,163 @@
                   <a:t>.</a:t>
                 </a:r>
               </a:p>
+            </p:txBody>
+          </p:sp>
+        </mc:Choice>
+      </mc:AlternateContent>
+      <p:sp>
+        <p:nvSpPr>
+          <p:cNvPr id="4" name="Date Placeholder 3"/>
+          <p:cNvSpPr>
+            <a:spLocks noGrp="1"/>
+          </p:cNvSpPr>
+          <p:nvPr>
+            <p:ph idx="10" sz="half" type="dt"/>
+          </p:nvPr>
+        </p:nvSpPr>
+        <p:spPr/>
+        <p:txBody>
+          <a:bodyPr/>
+          <a:lstStyle/>
+          <a:p>
+            <a:fld id="{1CD06654-6CEA-4282-986B-C223F35974FB}" type="datetime1">
+              <a:rPr lang="en-US" smtClean="0"/>
+              <a:t>8 de abril de 2022</a:t>
+            </a:fld>
+            <a:endParaRPr lang="en-US"/>
+          </a:p>
+        </p:txBody>
+      </p:sp>
+      <p:sp>
+        <p:nvSpPr>
+          <p:cNvPr id="5" name="Footer Placeholder 4"/>
+          <p:cNvSpPr>
+            <a:spLocks noGrp="1"/>
+          </p:cNvSpPr>
+          <p:nvPr>
+            <p:ph idx="11" sz="quarter" type="ftr"/>
+          </p:nvPr>
+        </p:nvSpPr>
+        <p:spPr>
+          <a:xfrm>
+            <a:off x="1323088" y="4779093"/>
+            <a:ext cx="6826125" cy="273844"/>
+          </a:xfrm>
+        </p:spPr>
+        <p:txBody>
+          <a:bodyPr/>
+          <a:lstStyle/>
+          <a:p>
+            <a:r>
+              <a:rPr dirty="0" lang="en-US"/>
+              <a:t>Cordero, M.; Gavazut, E.; </a:t>
+            </a:r>
+            <a:r>
+              <a:rPr dirty="0" err="1" lang="en-US"/>
+              <a:t>Riera</a:t>
+            </a:r>
+            <a:r>
+              <a:rPr dirty="0" lang="en-US"/>
+              <a:t>, L                   Proyecto final de </a:t>
+            </a:r>
+            <a:r>
+              <a:rPr dirty="0" err="1" lang="en-US"/>
+              <a:t>Estadistica</a:t>
+            </a:r>
+            <a:r>
+              <a:rPr dirty="0" lang="en-US"/>
+              <a:t> para </a:t>
+            </a:r>
+            <a:r>
+              <a:rPr dirty="0" err="1" lang="en-US"/>
+              <a:t>Matemáticos</a:t>
+            </a:r>
+            <a:r>
+              <a:rPr dirty="0" lang="en-US"/>
+              <a:t>– CO3322                         </a:t>
+            </a:r>
+            <a:r>
+              <a:rPr dirty="0" err="1" lang="en-US"/>
+              <a:t>Profesor</a:t>
+            </a:r>
+            <a:r>
+              <a:rPr dirty="0" lang="en-US"/>
+              <a:t> Pedro </a:t>
+            </a:r>
+            <a:r>
+              <a:rPr dirty="0" err="1" lang="en-US"/>
+              <a:t>Ovalles</a:t>
+            </a:r>
+            <a:endParaRPr dirty="0" lang="en-US"/>
+          </a:p>
+        </p:txBody>
+      </p:sp>
+      <p:sp>
+        <p:nvSpPr>
+          <p:cNvPr id="6" name="Slide Number Placeholder 5"/>
+          <p:cNvSpPr>
+            <a:spLocks noGrp="1"/>
+          </p:cNvSpPr>
+          <p:nvPr>
+            <p:ph idx="12" sz="quarter" type="sldNum"/>
+          </p:nvPr>
+        </p:nvSpPr>
+        <p:spPr>
+          <a:xfrm>
+            <a:off x="8149213" y="4767263"/>
+            <a:ext cx="537586" cy="273844"/>
+          </a:xfrm>
+        </p:spPr>
+        <p:txBody>
+          <a:bodyPr/>
+          <a:lstStyle/>
+          <a:p>
+            <a:fld id="{C5EF2332-01BF-834F-8236-50238282D533}" type="slidenum">
+              <a:rPr lang="en-US" smtClean="0"/>
+              <a:t>‹Nº›</a:t>
+            </a:fld>
+            <a:endParaRPr dirty="0" lang="en-US"/>
+          </a:p>
+        </p:txBody>
+      </p:sp>
+    </p:spTree>
+  </p:cSld>
+</p:sld>
+</file>
+
+<file path=ppt/slides/slide5.xml><?xml version="1.0" encoding="utf-8"?>
+<p:sld xmlns:a="http://schemas.openxmlformats.org/drawingml/2006/main" xmlns:r="http://schemas.openxmlformats.org/officeDocument/2006/relationships" xmlns:p="http://schemas.openxmlformats.org/presentationml/2006/main">
+  <p:cSld>
+    <p:spTree>
+      <p:nvGrpSpPr>
+        <p:cNvPr id="1" name=""/>
+        <p:cNvGrpSpPr/>
+        <p:nvPr/>
+      </p:nvGrpSpPr>
+      <p:grpSpPr>
+        <a:xfrm>
+          <a:off x="0" y="0"/>
+          <a:ext cx="0" cy="0"/>
+          <a:chOff x="0" y="0"/>
+          <a:chExt cx="0" cy="0"/>
+        </a:xfrm>
+      </p:grpSpPr>
+      <mc:AlternateContent xmlns:mc="http://schemas.openxmlformats.org/markup-compatibility/2006">
+        <mc:Choice xmlns:a14="http://schemas.microsoft.com/office/drawing/2010/main" Requires="a14">
+          <p:sp>
+            <p:nvSpPr>
+              <p:cNvPr id="3" name="Content Placeholder 2"/>
+              <p:cNvSpPr>
+                <a:spLocks noGrp="1"/>
+              </p:cNvSpPr>
+              <p:nvPr>
+                <p:ph idx="1"/>
+              </p:nvPr>
+            </p:nvSpPr>
+            <p:spPr/>
+            <p:txBody>
+              <a:bodyPr/>
+              <a:lstStyle/>
               <a:p>
                 <a:pPr lvl="0" indent="0" marL="0">
                   <a:buNone/>
@@ -3967,6 +4291,163 @@
                   <a:t>.</a:t>
                 </a:r>
               </a:p>
+            </p:txBody>
+          </p:sp>
+        </mc:Choice>
+      </mc:AlternateContent>
+      <p:sp>
+        <p:nvSpPr>
+          <p:cNvPr id="4" name="Date Placeholder 3"/>
+          <p:cNvSpPr>
+            <a:spLocks noGrp="1"/>
+          </p:cNvSpPr>
+          <p:nvPr>
+            <p:ph idx="10" sz="half" type="dt"/>
+          </p:nvPr>
+        </p:nvSpPr>
+        <p:spPr/>
+        <p:txBody>
+          <a:bodyPr/>
+          <a:lstStyle/>
+          <a:p>
+            <a:fld id="{1CD06654-6CEA-4282-986B-C223F35974FB}" type="datetime1">
+              <a:rPr lang="en-US" smtClean="0"/>
+              <a:t>8 de abril de 2022</a:t>
+            </a:fld>
+            <a:endParaRPr lang="en-US"/>
+          </a:p>
+        </p:txBody>
+      </p:sp>
+      <p:sp>
+        <p:nvSpPr>
+          <p:cNvPr id="5" name="Footer Placeholder 4"/>
+          <p:cNvSpPr>
+            <a:spLocks noGrp="1"/>
+          </p:cNvSpPr>
+          <p:nvPr>
+            <p:ph idx="11" sz="quarter" type="ftr"/>
+          </p:nvPr>
+        </p:nvSpPr>
+        <p:spPr>
+          <a:xfrm>
+            <a:off x="1323088" y="4779093"/>
+            <a:ext cx="6826125" cy="273844"/>
+          </a:xfrm>
+        </p:spPr>
+        <p:txBody>
+          <a:bodyPr/>
+          <a:lstStyle/>
+          <a:p>
+            <a:r>
+              <a:rPr dirty="0" lang="en-US"/>
+              <a:t>Cordero, M.; Gavazut, E.; </a:t>
+            </a:r>
+            <a:r>
+              <a:rPr dirty="0" err="1" lang="en-US"/>
+              <a:t>Riera</a:t>
+            </a:r>
+            <a:r>
+              <a:rPr dirty="0" lang="en-US"/>
+              <a:t>, L                   Proyecto final de </a:t>
+            </a:r>
+            <a:r>
+              <a:rPr dirty="0" err="1" lang="en-US"/>
+              <a:t>Estadistica</a:t>
+            </a:r>
+            <a:r>
+              <a:rPr dirty="0" lang="en-US"/>
+              <a:t> para </a:t>
+            </a:r>
+            <a:r>
+              <a:rPr dirty="0" err="1" lang="en-US"/>
+              <a:t>Matemáticos</a:t>
+            </a:r>
+            <a:r>
+              <a:rPr dirty="0" lang="en-US"/>
+              <a:t>– CO3322                         </a:t>
+            </a:r>
+            <a:r>
+              <a:rPr dirty="0" err="1" lang="en-US"/>
+              <a:t>Profesor</a:t>
+            </a:r>
+            <a:r>
+              <a:rPr dirty="0" lang="en-US"/>
+              <a:t> Pedro </a:t>
+            </a:r>
+            <a:r>
+              <a:rPr dirty="0" err="1" lang="en-US"/>
+              <a:t>Ovalles</a:t>
+            </a:r>
+            <a:endParaRPr dirty="0" lang="en-US"/>
+          </a:p>
+        </p:txBody>
+      </p:sp>
+      <p:sp>
+        <p:nvSpPr>
+          <p:cNvPr id="6" name="Slide Number Placeholder 5"/>
+          <p:cNvSpPr>
+            <a:spLocks noGrp="1"/>
+          </p:cNvSpPr>
+          <p:nvPr>
+            <p:ph idx="12" sz="quarter" type="sldNum"/>
+          </p:nvPr>
+        </p:nvSpPr>
+        <p:spPr>
+          <a:xfrm>
+            <a:off x="8149213" y="4767263"/>
+            <a:ext cx="537586" cy="273844"/>
+          </a:xfrm>
+        </p:spPr>
+        <p:txBody>
+          <a:bodyPr/>
+          <a:lstStyle/>
+          <a:p>
+            <a:fld id="{C5EF2332-01BF-834F-8236-50238282D533}" type="slidenum">
+              <a:rPr lang="en-US" smtClean="0"/>
+              <a:t>‹Nº›</a:t>
+            </a:fld>
+            <a:endParaRPr dirty="0" lang="en-US"/>
+          </a:p>
+        </p:txBody>
+      </p:sp>
+    </p:spTree>
+  </p:cSld>
+</p:sld>
+</file>
+
+<file path=ppt/slides/slide6.xml><?xml version="1.0" encoding="utf-8"?>
+<p:sld xmlns:a="http://schemas.openxmlformats.org/drawingml/2006/main" xmlns:r="http://schemas.openxmlformats.org/officeDocument/2006/relationships" xmlns:p="http://schemas.openxmlformats.org/presentationml/2006/main">
+  <p:cSld>
+    <p:spTree>
+      <p:nvGrpSpPr>
+        <p:cNvPr id="1" name=""/>
+        <p:cNvGrpSpPr/>
+        <p:nvPr/>
+      </p:nvGrpSpPr>
+      <p:grpSpPr>
+        <a:xfrm>
+          <a:off x="0" y="0"/>
+          <a:ext cx="0" cy="0"/>
+          <a:chOff x="0" y="0"/>
+          <a:chExt cx="0" cy="0"/>
+        </a:xfrm>
+      </p:grpSpPr>
+      <mc:AlternateContent xmlns:mc="http://schemas.openxmlformats.org/markup-compatibility/2006">
+        <mc:Choice xmlns:a14="http://schemas.microsoft.com/office/drawing/2010/main" Requires="a14">
+          <p:sp>
+            <p:nvSpPr>
+              <p:cNvPr id="3" name="Content Placeholder 2"/>
+              <p:cNvSpPr>
+                <a:spLocks noGrp="1"/>
+              </p:cNvSpPr>
+              <p:nvPr>
+                <p:ph idx="1"/>
+              </p:nvPr>
+            </p:nvSpPr>
+            <p:spPr/>
+            <p:txBody>
+              <a:bodyPr/>
+              <a:lstStyle/>
               <a:p>
                 <a:pPr lvl="0" indent="0" marL="0">
                   <a:buNone/>
@@ -4180,6 +4661,121 @@
           </p:sp>
         </mc:Choice>
       </mc:AlternateContent>
+      <p:sp>
+        <p:nvSpPr>
+          <p:cNvPr id="4" name="Date Placeholder 3"/>
+          <p:cNvSpPr>
+            <a:spLocks noGrp="1"/>
+          </p:cNvSpPr>
+          <p:nvPr>
+            <p:ph idx="10" sz="half" type="dt"/>
+          </p:nvPr>
+        </p:nvSpPr>
+        <p:spPr/>
+        <p:txBody>
+          <a:bodyPr/>
+          <a:lstStyle/>
+          <a:p>
+            <a:fld id="{1CD06654-6CEA-4282-986B-C223F35974FB}" type="datetime1">
+              <a:rPr lang="en-US" smtClean="0"/>
+              <a:t>8 de abril de 2022</a:t>
+            </a:fld>
+            <a:endParaRPr lang="en-US"/>
+          </a:p>
+        </p:txBody>
+      </p:sp>
+      <p:sp>
+        <p:nvSpPr>
+          <p:cNvPr id="5" name="Footer Placeholder 4"/>
+          <p:cNvSpPr>
+            <a:spLocks noGrp="1"/>
+          </p:cNvSpPr>
+          <p:nvPr>
+            <p:ph idx="11" sz="quarter" type="ftr"/>
+          </p:nvPr>
+        </p:nvSpPr>
+        <p:spPr>
+          <a:xfrm>
+            <a:off x="1323088" y="4779093"/>
+            <a:ext cx="6826125" cy="273844"/>
+          </a:xfrm>
+        </p:spPr>
+        <p:txBody>
+          <a:bodyPr/>
+          <a:lstStyle/>
+          <a:p>
+            <a:r>
+              <a:rPr dirty="0" lang="en-US"/>
+              <a:t>Cordero, M.; Gavazut, E.; </a:t>
+            </a:r>
+            <a:r>
+              <a:rPr dirty="0" err="1" lang="en-US"/>
+              <a:t>Riera</a:t>
+            </a:r>
+            <a:r>
+              <a:rPr dirty="0" lang="en-US"/>
+              <a:t>, L                   Proyecto final de </a:t>
+            </a:r>
+            <a:r>
+              <a:rPr dirty="0" err="1" lang="en-US"/>
+              <a:t>Estadistica</a:t>
+            </a:r>
+            <a:r>
+              <a:rPr dirty="0" lang="en-US"/>
+              <a:t> para </a:t>
+            </a:r>
+            <a:r>
+              <a:rPr dirty="0" err="1" lang="en-US"/>
+              <a:t>Matemáticos</a:t>
+            </a:r>
+            <a:r>
+              <a:rPr dirty="0" lang="en-US"/>
+              <a:t>– CO3322                         </a:t>
+            </a:r>
+            <a:r>
+              <a:rPr dirty="0" err="1" lang="en-US"/>
+              <a:t>Profesor</a:t>
+            </a:r>
+            <a:r>
+              <a:rPr dirty="0" lang="en-US"/>
+              <a:t> Pedro </a:t>
+            </a:r>
+            <a:r>
+              <a:rPr dirty="0" err="1" lang="en-US"/>
+              <a:t>Ovalles</a:t>
+            </a:r>
+            <a:endParaRPr dirty="0" lang="en-US"/>
+          </a:p>
+        </p:txBody>
+      </p:sp>
+      <p:sp>
+        <p:nvSpPr>
+          <p:cNvPr id="6" name="Slide Number Placeholder 5"/>
+          <p:cNvSpPr>
+            <a:spLocks noGrp="1"/>
+          </p:cNvSpPr>
+          <p:nvPr>
+            <p:ph idx="12" sz="quarter" type="sldNum"/>
+          </p:nvPr>
+        </p:nvSpPr>
+        <p:spPr>
+          <a:xfrm>
+            <a:off x="8149213" y="4767263"/>
+            <a:ext cx="537586" cy="273844"/>
+          </a:xfrm>
+        </p:spPr>
+        <p:txBody>
+          <a:bodyPr/>
+          <a:lstStyle/>
+          <a:p>
+            <a:fld id="{C5EF2332-01BF-834F-8236-50238282D533}" type="slidenum">
+              <a:rPr lang="en-US" smtClean="0"/>
+              <a:t>‹Nº›</a:t>
+            </a:fld>
+            <a:endParaRPr dirty="0" lang="en-US"/>
+          </a:p>
+        </p:txBody>
+      </p:sp>
     </p:spTree>
   </p:cSld>
 </p:sld>
@@ -4330,20 +4926,16 @@
           <a:gsLst>
             <a:gs pos="0">
               <a:schemeClr val="phClr">
-                <a:shade val="51000"/>
-                <a:satMod val="130000"/>
-              </a:schemeClr>
-            </a:gs>
-            <a:gs pos="80000">
-              <a:schemeClr val="phClr">
-                <a:shade val="93000"/>
+                <a:tint val="100000"/>
+                <a:shade val="100000"/>
                 <a:satMod val="130000"/>
               </a:schemeClr>
             </a:gs>
             <a:gs pos="100000">
               <a:schemeClr val="phClr">
-                <a:shade val="94000"/>
-                <a:satMod val="135000"/>
+                <a:tint val="50000"/>
+                <a:shade val="100000"/>
+                <a:satMod val="350000"/>
               </a:schemeClr>
             </a:gs>
           </a:gsLst>
@@ -4465,18 +5057,70 @@
       </a:bgFillStyleLst>
     </a:fmtScheme>
   </a:themeElements>
-  <a:objectDefaults/>
+  <a:objectDefaults>
+    <a:spDef>
+      <a:spPr/>
+      <a:bodyPr/>
+      <a:lstStyle/>
+      <a:style>
+        <a:lnRef idx="1">
+          <a:schemeClr val="accent1"/>
+        </a:lnRef>
+        <a:fillRef idx="3">
+          <a:schemeClr val="accent1"/>
+        </a:fillRef>
+        <a:effectRef idx="2">
+          <a:schemeClr val="accent1"/>
+        </a:effectRef>
+        <a:fontRef idx="minor">
+          <a:schemeClr val="lt1"/>
+        </a:fontRef>
+      </a:style>
+    </a:spDef>
+    <a:lnDef>
+      <a:spPr/>
+      <a:bodyPr/>
+      <a:lstStyle/>
+      <a:style>
+        <a:lnRef idx="2">
+          <a:schemeClr val="accent1"/>
+        </a:lnRef>
+        <a:fillRef idx="0">
+          <a:schemeClr val="accent1"/>
+        </a:fillRef>
+        <a:effectRef idx="1">
+          <a:schemeClr val="accent1"/>
+        </a:effectRef>
+        <a:fontRef idx="minor">
+          <a:schemeClr val="tx1"/>
+        </a:fontRef>
+      </a:style>
+    </a:lnDef>
+    <a:txDef>
+      <a:spPr>
+        <a:noFill/>
+      </a:spPr>
+      <a:bodyPr wrap="square" rtlCol="0">
+        <a:spAutoFit/>
+      </a:bodyPr>
+      <a:lstStyle>
+        <a:defPPr algn="l">
+          <a:defRPr dirty="0"/>
+        </a:defPPr>
+      </a:lstStyle>
+    </a:txDef>
+  </a:objectDefaults>
   <a:extraClrSchemeLst/>
   <a:extLst>
     <a:ext uri="{05A4C25C-085E-4340-85A3-A5531E510DB2}">
-      <thm15:themeFamily xmlns:thm15="http://schemas.microsoft.com/office/thememl/2012/main" name="template.pptx" id="{F2D6CF14-A6AD-4EB9-B159-250D62AD97EC}" vid="{B228E93C-BABB-494F-916C-A3BDA10F736E}"/>
+      <thm15:themeFamily xmlns:thm15="http://schemas.microsoft.com/office/thememl/2012/main" name="templatefinal.potx" id="{00B27BE0-874E-46D1-AD3A-7AB6F83E171C}" vid="{B489753E-FC18-450E-8007-3C8A59089E2A}"/>
     </a:ext>
   </a:extLst>
 </a:theme>
 </file>
 
 <file path=ppt/theme/theme2.xml><?xml version="1.0" encoding="utf-8"?>
-<a:theme xmlns:a="http://schemas.openxmlformats.org/drawingml/2006/main" name="Office Theme">
+<a:theme xmlns:a="http://schemas.openxmlformats.org/drawingml/2006/main" name="Tema de Office">
   <a:themeElements>
     <a:clrScheme name="Office">
       <a:dk1>
